--- a/TASK 1.pptx
+++ b/TASK 1.pptx
@@ -109,8 +109,16 @@
 </file>
 
 <file path=ppt/slideLayouts/slideLayout1.xml><?xml version="1.0" encoding="utf-8"?>
-<p:sldLayout xmlns:a="http://schemas.openxmlformats.org/drawingml/2006/main" xmlns:r="http://schemas.openxmlformats.org/officeDocument/2006/relationships" xmlns:p="http://schemas.openxmlformats.org/presentationml/2006/main" type="title" preserve="1">
+<p:sldLayout xmlns:a="http://schemas.openxmlformats.org/drawingml/2006/main" xmlns:r="http://schemas.openxmlformats.org/officeDocument/2006/relationships" xmlns:p="http://schemas.openxmlformats.org/presentationml/2006/main" type="title" preserve="1" showMasterSp="0">
   <p:cSld name="Title Slide">
+    <p:bg>
+      <p:bgPr>
+        <a:solidFill>
+          <a:schemeClr val="bg1"/>
+        </a:solidFill>
+        <a:effectLst/>
+      </p:bgPr>
+    </p:bg>
     <p:spTree>
       <p:nvGrpSpPr>
         <p:cNvPr id="1" name=""/>
@@ -125,43 +133,72 @@
           <a:chExt cx="0" cy="0"/>
         </a:xfrm>
       </p:grpSpPr>
-      <p:sp>
-        <p:nvSpPr>
-          <p:cNvPr id="2" name="Title 1"/>
-          <p:cNvSpPr>
-            <a:spLocks noGrp="1"/>
-          </p:cNvSpPr>
-          <p:nvPr>
-            <p:ph type="ctrTitle"/>
-          </p:nvPr>
-        </p:nvSpPr>
+      <p:pic>
+        <p:nvPicPr>
+          <p:cNvPr id="2050" name="Picture 2"/>
+          <p:cNvPicPr>
+            <a:picLocks noChangeAspect="1"/>
+          </p:cNvPicPr>
+          <p:nvPr/>
+        </p:nvPicPr>
+        <p:blipFill>
+          <a:blip r:embed="rId2"/>
+          <a:stretch>
+            <a:fillRect/>
+          </a:stretch>
+        </p:blipFill>
         <p:spPr>
           <a:xfrm>
-            <a:off x="1524000" y="1122363"/>
-            <a:ext cx="9144000" cy="2387600"/>
+            <a:off x="0" y="0"/>
+            <a:ext cx="12192000" cy="6858000"/>
+          </a:xfrm>
+          <a:prstGeom prst="rect">
+            <a:avLst/>
+          </a:prstGeom>
+          <a:noFill/>
+          <a:ln w="9525">
+            <a:noFill/>
+          </a:ln>
+        </p:spPr>
+      </p:pic>
+      <p:sp>
+        <p:nvSpPr>
+          <p:cNvPr id="2051" name="Rectangle 3"/>
+          <p:cNvSpPr>
+            <a:spLocks noGrp="1" noChangeArrowheads="1"/>
+          </p:cNvSpPr>
+          <p:nvPr>
+            <p:ph type="ctrTitle"/>
+          </p:nvPr>
+        </p:nvSpPr>
+        <p:spPr>
+          <a:xfrm>
+            <a:off x="2063751" y="1701800"/>
+            <a:ext cx="9211733" cy="1082675"/>
           </a:xfrm>
         </p:spPr>
         <p:txBody>
-          <a:bodyPr anchor="b"/>
+          <a:bodyPr/>
           <a:lstStyle>
-            <a:lvl1pPr algn="ctr">
-              <a:defRPr sz="6000"/>
+            <a:lvl1pPr algn="r">
+              <a:defRPr/>
             </a:lvl1pPr>
           </a:lstStyle>
           <a:p>
-            <a:r>
-              <a:rPr lang="en-US" smtClean="0"/>
+            <a:pPr lvl="0"/>
+            <a:r>
+              <a:rPr lang="en-US" altLang="zh-CN" noProof="0" smtClean="0"/>
               <a:t>Click to edit Master title style</a:t>
             </a:r>
-            <a:endParaRPr lang="en-US"/>
-          </a:p>
-        </p:txBody>
-      </p:sp>
-      <p:sp>
-        <p:nvSpPr>
-          <p:cNvPr id="3" name="Subtitle 2"/>
-          <p:cNvSpPr>
-            <a:spLocks noGrp="1"/>
+            <a:endParaRPr lang="en-US" altLang="zh-CN" noProof="0" smtClean="0"/>
+          </a:p>
+        </p:txBody>
+      </p:sp>
+      <p:sp>
+        <p:nvSpPr>
+          <p:cNvPr id="2052" name="Rectangle 4"/>
+          <p:cNvSpPr>
+            <a:spLocks noGrp="1" noChangeArrowheads="1"/>
           </p:cNvSpPr>
           <p:nvPr>
             <p:ph type="subTitle" idx="1"/>
@@ -169,73 +206,84 @@
         </p:nvSpPr>
         <p:spPr>
           <a:xfrm>
-            <a:off x="1524000" y="3602038"/>
-            <a:ext cx="9144000" cy="1655762"/>
+            <a:off x="2063751" y="2927350"/>
+            <a:ext cx="9218083" cy="1752600"/>
           </a:xfrm>
         </p:spPr>
         <p:txBody>
           <a:bodyPr/>
           <a:lstStyle>
-            <a:lvl1pPr marL="0" indent="0" algn="ctr">
-              <a:buNone/>
-              <a:defRPr sz="2400"/>
+            <a:lvl1pPr marL="0" indent="0" algn="r">
+              <a:buFontTx/>
+              <a:buNone/>
+              <a:defRPr/>
             </a:lvl1pPr>
-            <a:lvl2pPr marL="457200" indent="0" algn="ctr">
-              <a:buNone/>
-              <a:defRPr sz="2000"/>
-            </a:lvl2pPr>
-            <a:lvl3pPr marL="914400" indent="0" algn="ctr">
-              <a:buNone/>
-              <a:defRPr sz="1800"/>
-            </a:lvl3pPr>
-            <a:lvl4pPr marL="1371600" indent="0" algn="ctr">
-              <a:buNone/>
-              <a:defRPr sz="1600"/>
-            </a:lvl4pPr>
-            <a:lvl5pPr marL="1828800" indent="0" algn="ctr">
-              <a:buNone/>
-              <a:defRPr sz="1600"/>
-            </a:lvl5pPr>
-            <a:lvl6pPr marL="2286000" indent="0" algn="ctr">
-              <a:buNone/>
-              <a:defRPr sz="1600"/>
-            </a:lvl6pPr>
-            <a:lvl7pPr marL="2743200" indent="0" algn="ctr">
-              <a:buNone/>
-              <a:defRPr sz="1600"/>
-            </a:lvl7pPr>
-            <a:lvl8pPr marL="3200400" indent="0" algn="ctr">
-              <a:buNone/>
-              <a:defRPr sz="1600"/>
-            </a:lvl8pPr>
-            <a:lvl9pPr marL="3657600" indent="0" algn="ctr">
-              <a:buNone/>
-              <a:defRPr sz="1600"/>
-            </a:lvl9pPr>
           </a:lstStyle>
           <a:p>
-            <a:r>
-              <a:rPr lang="en-US" smtClean="0"/>
+            <a:pPr lvl="0"/>
+            <a:r>
+              <a:rPr lang="en-US" altLang="zh-CN" noProof="0" smtClean="0"/>
               <a:t>Click to edit Master subtitle style</a:t>
             </a:r>
-            <a:endParaRPr lang="en-US"/>
-          </a:p>
-        </p:txBody>
-      </p:sp>
-      <p:sp>
-        <p:nvSpPr>
-          <p:cNvPr id="4" name="Date Placeholder 3"/>
-          <p:cNvSpPr>
-            <a:spLocks noGrp="1"/>
-          </p:cNvSpPr>
-          <p:nvPr>
-            <p:ph type="dt" sz="half" idx="10"/>
-          </p:nvPr>
-        </p:nvSpPr>
-        <p:spPr/>
-        <p:txBody>
-          <a:bodyPr/>
-          <a:lstStyle/>
+            <a:endParaRPr lang="en-US" altLang="zh-CN" noProof="0" smtClean="0"/>
+          </a:p>
+        </p:txBody>
+      </p:sp>
+      <p:sp>
+        <p:nvSpPr>
+          <p:cNvPr id="9" name="Rectangle 5"/>
+          <p:cNvSpPr>
+            <a:spLocks noGrp="1" noChangeArrowheads="1"/>
+          </p:cNvSpPr>
+          <p:nvPr>
+            <p:ph type="dt" sz="half" idx="2"/>
+          </p:nvPr>
+        </p:nvSpPr>
+        <p:spPr bwMode="auto">
+          <a:xfrm>
+            <a:off x="609600" y="6245225"/>
+            <a:ext cx="2844800" cy="476250"/>
+          </a:xfrm>
+          <a:prstGeom prst="rect">
+            <a:avLst/>
+          </a:prstGeom>
+          <a:noFill/>
+          <a:extLst>
+            <a:ext uri="{909E8E84-426E-40DD-AFC4-6F175D3DCCD1}">
+              <a14:hiddenFill xmlns:a14="http://schemas.microsoft.com/office/drawing/2010/main">
+                <a:solidFill>
+                  <a:schemeClr val="accent1"/>
+                </a:solidFill>
+              </a14:hiddenFill>
+            </a:ext>
+            <a:ext uri="{91240B29-F687-4F45-9708-019B960494DF}">
+              <a14:hiddenLine xmlns:a14="http://schemas.microsoft.com/office/drawing/2010/main" w="9525">
+                <a:solidFill>
+                  <a:srgbClr val="000000"/>
+                </a:solidFill>
+                <a:miter lim="800000"/>
+                <a:headEnd/>
+                <a:tailEnd/>
+              </a14:hiddenLine>
+            </a:ext>
+            <a:ext uri="{AF507438-7753-43E0-B8FC-AC1667EBCBE1}">
+              <a14:hiddenEffects xmlns:a14="http://schemas.microsoft.com/office/drawing/2010/main">
+                <a:effectLst>
+                  <a:outerShdw dist="35921" dir="2700000" algn="ctr" rotWithShape="0">
+                    <a:schemeClr val="bg2"/>
+                  </a:outerShdw>
+                </a:effectLst>
+              </a14:hiddenEffects>
+            </a:ext>
+          </a:extLst>
+        </p:spPr>
+        <p:txBody>
+          <a:bodyPr vert="horz" wrap="square" lIns="91440" tIns="45720" rIns="91440" bIns="45720" numCol="1" anchor="t" anchorCtr="0" compatLnSpc="1"/>
+          <a:lstStyle>
+            <a:lvl1pPr>
+              <a:defRPr/>
+            </a:lvl1pPr>
+          </a:lstStyle>
           <a:p>
             <a:fld id="{63A1C593-65D0-4073-BCC9-577B9352EA97}" type="datetimeFigureOut">
               <a:rPr lang="en-US" smtClean="0"/>
@@ -246,37 +294,119 @@
       </p:sp>
       <p:sp>
         <p:nvSpPr>
-          <p:cNvPr id="5" name="Footer Placeholder 4"/>
-          <p:cNvSpPr>
-            <a:spLocks noGrp="1"/>
-          </p:cNvSpPr>
-          <p:nvPr>
-            <p:ph type="ftr" sz="quarter" idx="11"/>
-          </p:nvPr>
-        </p:nvSpPr>
-        <p:spPr/>
-        <p:txBody>
-          <a:bodyPr/>
-          <a:lstStyle/>
-          <a:p>
-            <a:endParaRPr lang="en-US"/>
-          </a:p>
-        </p:txBody>
-      </p:sp>
-      <p:sp>
-        <p:nvSpPr>
-          <p:cNvPr id="6" name="Slide Number Placeholder 5"/>
-          <p:cNvSpPr>
-            <a:spLocks noGrp="1"/>
-          </p:cNvSpPr>
-          <p:nvPr>
-            <p:ph type="sldNum" sz="quarter" idx="12"/>
-          </p:nvPr>
-        </p:nvSpPr>
-        <p:spPr/>
-        <p:txBody>
-          <a:bodyPr/>
-          <a:lstStyle/>
+          <p:cNvPr id="10" name="Rectangle 6"/>
+          <p:cNvSpPr>
+            <a:spLocks noGrp="1" noChangeArrowheads="1"/>
+          </p:cNvSpPr>
+          <p:nvPr>
+            <p:ph type="ftr" sz="quarter" idx="3"/>
+          </p:nvPr>
+        </p:nvSpPr>
+        <p:spPr bwMode="auto">
+          <a:xfrm>
+            <a:off x="4165600" y="6245225"/>
+            <a:ext cx="3860800" cy="476250"/>
+          </a:xfrm>
+          <a:prstGeom prst="rect">
+            <a:avLst/>
+          </a:prstGeom>
+          <a:noFill/>
+          <a:extLst>
+            <a:ext uri="{909E8E84-426E-40DD-AFC4-6F175D3DCCD1}">
+              <a14:hiddenFill xmlns:a14="http://schemas.microsoft.com/office/drawing/2010/main">
+                <a:solidFill>
+                  <a:schemeClr val="accent1"/>
+                </a:solidFill>
+              </a14:hiddenFill>
+            </a:ext>
+            <a:ext uri="{91240B29-F687-4F45-9708-019B960494DF}">
+              <a14:hiddenLine xmlns:a14="http://schemas.microsoft.com/office/drawing/2010/main" w="9525">
+                <a:solidFill>
+                  <a:srgbClr val="000000"/>
+                </a:solidFill>
+                <a:miter lim="800000"/>
+                <a:headEnd/>
+                <a:tailEnd/>
+              </a14:hiddenLine>
+            </a:ext>
+            <a:ext uri="{AF507438-7753-43E0-B8FC-AC1667EBCBE1}">
+              <a14:hiddenEffects xmlns:a14="http://schemas.microsoft.com/office/drawing/2010/main">
+                <a:effectLst>
+                  <a:outerShdw dist="35921" dir="2700000" algn="ctr" rotWithShape="0">
+                    <a:schemeClr val="bg2"/>
+                  </a:outerShdw>
+                </a:effectLst>
+              </a14:hiddenEffects>
+            </a:ext>
+          </a:extLst>
+        </p:spPr>
+        <p:txBody>
+          <a:bodyPr vert="horz" wrap="square" lIns="91440" tIns="45720" rIns="91440" bIns="45720" numCol="1" anchor="t" anchorCtr="0" compatLnSpc="1"/>
+          <a:lstStyle>
+            <a:lvl1pPr>
+              <a:defRPr/>
+            </a:lvl1pPr>
+          </a:lstStyle>
+          <a:p>
+            <a:endParaRPr lang="en-US"/>
+          </a:p>
+        </p:txBody>
+      </p:sp>
+      <p:sp>
+        <p:nvSpPr>
+          <p:cNvPr id="11" name="Rectangle 7"/>
+          <p:cNvSpPr>
+            <a:spLocks noGrp="1" noChangeArrowheads="1"/>
+          </p:cNvSpPr>
+          <p:nvPr>
+            <p:ph type="sldNum" sz="quarter" idx="4"/>
+          </p:nvPr>
+        </p:nvSpPr>
+        <p:spPr bwMode="auto">
+          <a:xfrm>
+            <a:off x="8737600" y="6245225"/>
+            <a:ext cx="2844800" cy="476250"/>
+          </a:xfrm>
+          <a:prstGeom prst="rect">
+            <a:avLst/>
+          </a:prstGeom>
+          <a:noFill/>
+          <a:extLst>
+            <a:ext uri="{909E8E84-426E-40DD-AFC4-6F175D3DCCD1}">
+              <a14:hiddenFill xmlns:a14="http://schemas.microsoft.com/office/drawing/2010/main">
+                <a:solidFill>
+                  <a:schemeClr val="accent1"/>
+                </a:solidFill>
+              </a14:hiddenFill>
+            </a:ext>
+            <a:ext uri="{91240B29-F687-4F45-9708-019B960494DF}">
+              <a14:hiddenLine xmlns:a14="http://schemas.microsoft.com/office/drawing/2010/main" w="9525">
+                <a:solidFill>
+                  <a:srgbClr val="000000"/>
+                </a:solidFill>
+                <a:miter lim="800000"/>
+                <a:headEnd/>
+                <a:tailEnd/>
+              </a14:hiddenLine>
+            </a:ext>
+            <a:ext uri="{AF507438-7753-43E0-B8FC-AC1667EBCBE1}">
+              <a14:hiddenEffects xmlns:a14="http://schemas.microsoft.com/office/drawing/2010/main">
+                <a:effectLst>
+                  <a:outerShdw dist="35921" dir="2700000" algn="ctr" rotWithShape="0">
+                    <a:schemeClr val="bg2"/>
+                  </a:outerShdw>
+                </a:effectLst>
+              </a14:hiddenEffects>
+            </a:ext>
+          </a:extLst>
+        </p:spPr>
+        <p:txBody>
+          <a:bodyPr vert="horz" wrap="square" lIns="91440" tIns="45720" rIns="91440" bIns="45720" numCol="1" anchor="t" anchorCtr="0" compatLnSpc="1"/>
+          <a:lstStyle>
+            <a:lvl1pPr>
+              <a:defRPr/>
+            </a:lvl1pPr>
+          </a:lstStyle>
           <a:p>
             <a:fld id="{9B618960-8005-486C-9A75-10CB2AAC16F9}" type="slidenum">
               <a:rPr lang="en-US" smtClean="0"/>
@@ -290,6 +420,7 @@
   <p:clrMapOvr>
     <a:masterClrMapping/>
   </p:clrMapOvr>
+  <p:hf sldNum="0" hdr="0" ftr="0" dt="0"/>
 </p:sldLayout>
 </file>
 
@@ -402,7 +533,6 @@
         <p:spPr/>
         <p:txBody>
           <a:bodyPr/>
-          <a:lstStyle/>
           <a:p>
             <a:fld id="{63A1C593-65D0-4073-BCC9-577B9352EA97}" type="datetimeFigureOut">
               <a:rPr lang="en-US" smtClean="0"/>
@@ -424,7 +554,6 @@
         <p:spPr/>
         <p:txBody>
           <a:bodyPr/>
-          <a:lstStyle/>
           <a:p>
             <a:endParaRPr lang="en-US"/>
           </a:p>
@@ -443,7 +572,6 @@
         <p:spPr/>
         <p:txBody>
           <a:bodyPr/>
-          <a:lstStyle/>
           <a:p>
             <a:fld id="{9B618960-8005-486C-9A75-10CB2AAC16F9}" type="slidenum">
               <a:rPr lang="en-US" smtClean="0"/>
@@ -457,6 +585,7 @@
   <p:clrMapOvr>
     <a:masterClrMapping/>
   </p:clrMapOvr>
+  <p:hf sldNum="0" hdr="0" ftr="0" dt="0"/>
 </p:sldLayout>
 </file>
 
@@ -489,8 +618,8 @@
         </p:nvSpPr>
         <p:spPr>
           <a:xfrm>
-            <a:off x="8724900" y="365125"/>
-            <a:ext cx="2628900" cy="5811838"/>
+            <a:off x="8839200" y="190500"/>
+            <a:ext cx="2743200" cy="5937250"/>
           </a:xfrm>
         </p:spPr>
         <p:txBody>
@@ -517,8 +646,8 @@
         </p:nvSpPr>
         <p:spPr>
           <a:xfrm>
-            <a:off x="838200" y="365125"/>
-            <a:ext cx="7734300" cy="5811838"/>
+            <a:off x="609600" y="190500"/>
+            <a:ext cx="8026400" cy="5937250"/>
           </a:xfrm>
         </p:spPr>
         <p:txBody>
@@ -579,7 +708,6 @@
         <p:spPr/>
         <p:txBody>
           <a:bodyPr/>
-          <a:lstStyle/>
           <a:p>
             <a:fld id="{63A1C593-65D0-4073-BCC9-577B9352EA97}" type="datetimeFigureOut">
               <a:rPr lang="en-US" smtClean="0"/>
@@ -601,7 +729,6 @@
         <p:spPr/>
         <p:txBody>
           <a:bodyPr/>
-          <a:lstStyle/>
           <a:p>
             <a:endParaRPr lang="en-US"/>
           </a:p>
@@ -620,7 +747,6 @@
         <p:spPr/>
         <p:txBody>
           <a:bodyPr/>
-          <a:lstStyle/>
           <a:p>
             <a:fld id="{9B618960-8005-486C-9A75-10CB2AAC16F9}" type="slidenum">
               <a:rPr lang="en-US" smtClean="0"/>
@@ -634,6 +760,7 @@
   <p:clrMapOvr>
     <a:masterClrMapping/>
   </p:clrMapOvr>
+  <p:hf sldNum="0" hdr="0" ftr="0" dt="0"/>
 </p:sldLayout>
 </file>
 
@@ -746,7 +873,6 @@
         <p:spPr/>
         <p:txBody>
           <a:bodyPr/>
-          <a:lstStyle/>
           <a:p>
             <a:fld id="{63A1C593-65D0-4073-BCC9-577B9352EA97}" type="datetimeFigureOut">
               <a:rPr lang="en-US" smtClean="0"/>
@@ -768,7 +894,6 @@
         <p:spPr/>
         <p:txBody>
           <a:bodyPr/>
-          <a:lstStyle/>
           <a:p>
             <a:endParaRPr lang="en-US"/>
           </a:p>
@@ -787,7 +912,6 @@
         <p:spPr/>
         <p:txBody>
           <a:bodyPr/>
-          <a:lstStyle/>
           <a:p>
             <a:fld id="{9B618960-8005-486C-9A75-10CB2AAC16F9}" type="slidenum">
               <a:rPr lang="en-US" smtClean="0"/>
@@ -801,6 +925,7 @@
   <p:clrMapOvr>
     <a:masterClrMapping/>
   </p:clrMapOvr>
+  <p:hf sldNum="0" hdr="0" ftr="0" dt="0"/>
 </p:sldLayout>
 </file>
 
@@ -833,7 +958,7 @@
         </p:nvSpPr>
         <p:spPr>
           <a:xfrm>
-            <a:off x="831850" y="1709738"/>
+            <a:off x="831851" y="1709738"/>
             <a:ext cx="10515600" cy="2852737"/>
           </a:xfrm>
         </p:spPr>
@@ -865,7 +990,7 @@
         </p:nvSpPr>
         <p:spPr>
           <a:xfrm>
-            <a:off x="831850" y="4589463"/>
+            <a:off x="831851" y="4589463"/>
             <a:ext cx="10515600" cy="1500187"/>
           </a:xfrm>
         </p:spPr>
@@ -874,93 +999,39 @@
           <a:lstStyle>
             <a:lvl1pPr marL="0" indent="0">
               <a:buNone/>
-              <a:defRPr sz="2400">
-                <a:solidFill>
-                  <a:schemeClr val="tx1">
-                    <a:tint val="75000"/>
-                  </a:schemeClr>
-                </a:solidFill>
-              </a:defRPr>
+              <a:defRPr sz="2400"/>
             </a:lvl1pPr>
             <a:lvl2pPr marL="457200" indent="0">
               <a:buNone/>
-              <a:defRPr sz="2000">
-                <a:solidFill>
-                  <a:schemeClr val="tx1">
-                    <a:tint val="75000"/>
-                  </a:schemeClr>
-                </a:solidFill>
-              </a:defRPr>
+              <a:defRPr sz="2000"/>
             </a:lvl2pPr>
             <a:lvl3pPr marL="914400" indent="0">
               <a:buNone/>
-              <a:defRPr sz="1800">
-                <a:solidFill>
-                  <a:schemeClr val="tx1">
-                    <a:tint val="75000"/>
-                  </a:schemeClr>
-                </a:solidFill>
-              </a:defRPr>
+              <a:defRPr sz="1800"/>
             </a:lvl3pPr>
             <a:lvl4pPr marL="1371600" indent="0">
               <a:buNone/>
-              <a:defRPr sz="1600">
-                <a:solidFill>
-                  <a:schemeClr val="tx1">
-                    <a:tint val="75000"/>
-                  </a:schemeClr>
-                </a:solidFill>
-              </a:defRPr>
+              <a:defRPr sz="1600"/>
             </a:lvl4pPr>
             <a:lvl5pPr marL="1828800" indent="0">
               <a:buNone/>
-              <a:defRPr sz="1600">
-                <a:solidFill>
-                  <a:schemeClr val="tx1">
-                    <a:tint val="75000"/>
-                  </a:schemeClr>
-                </a:solidFill>
-              </a:defRPr>
+              <a:defRPr sz="1600"/>
             </a:lvl5pPr>
             <a:lvl6pPr marL="2286000" indent="0">
               <a:buNone/>
-              <a:defRPr sz="1600">
-                <a:solidFill>
-                  <a:schemeClr val="tx1">
-                    <a:tint val="75000"/>
-                  </a:schemeClr>
-                </a:solidFill>
-              </a:defRPr>
+              <a:defRPr sz="1600"/>
             </a:lvl6pPr>
             <a:lvl7pPr marL="2743200" indent="0">
               <a:buNone/>
-              <a:defRPr sz="1600">
-                <a:solidFill>
-                  <a:schemeClr val="tx1">
-                    <a:tint val="75000"/>
-                  </a:schemeClr>
-                </a:solidFill>
-              </a:defRPr>
+              <a:defRPr sz="1600"/>
             </a:lvl7pPr>
             <a:lvl8pPr marL="3200400" indent="0">
               <a:buNone/>
-              <a:defRPr sz="1600">
-                <a:solidFill>
-                  <a:schemeClr val="tx1">
-                    <a:tint val="75000"/>
-                  </a:schemeClr>
-                </a:solidFill>
-              </a:defRPr>
+              <a:defRPr sz="1600"/>
             </a:lvl8pPr>
             <a:lvl9pPr marL="3657600" indent="0">
               <a:buNone/>
-              <a:defRPr sz="1600">
-                <a:solidFill>
-                  <a:schemeClr val="tx1">
-                    <a:tint val="75000"/>
-                  </a:schemeClr>
-                </a:solidFill>
-              </a:defRPr>
+              <a:defRPr sz="1600"/>
             </a:lvl9pPr>
           </a:lstStyle>
           <a:p>
@@ -986,7 +1057,6 @@
         <p:spPr/>
         <p:txBody>
           <a:bodyPr/>
-          <a:lstStyle/>
           <a:p>
             <a:fld id="{63A1C593-65D0-4073-BCC9-577B9352EA97}" type="datetimeFigureOut">
               <a:rPr lang="en-US" smtClean="0"/>
@@ -1008,7 +1078,6 @@
         <p:spPr/>
         <p:txBody>
           <a:bodyPr/>
-          <a:lstStyle/>
           <a:p>
             <a:endParaRPr lang="en-US"/>
           </a:p>
@@ -1027,7 +1096,6 @@
         <p:spPr/>
         <p:txBody>
           <a:bodyPr/>
-          <a:lstStyle/>
           <a:p>
             <a:fld id="{9B618960-8005-486C-9A75-10CB2AAC16F9}" type="slidenum">
               <a:rPr lang="en-US" smtClean="0"/>
@@ -1041,6 +1109,7 @@
   <p:clrMapOvr>
     <a:masterClrMapping/>
   </p:clrMapOvr>
+  <p:hf sldNum="0" hdr="0" ftr="0" dt="0"/>
 </p:sldLayout>
 </file>
 
@@ -1096,8 +1165,8 @@
         </p:nvSpPr>
         <p:spPr>
           <a:xfrm>
-            <a:off x="838200" y="1825625"/>
-            <a:ext cx="5181600" cy="4351338"/>
+            <a:off x="609600" y="1174750"/>
+            <a:ext cx="5384800" cy="4953000"/>
           </a:xfrm>
         </p:spPr>
         <p:txBody>
@@ -1157,8 +1226,8 @@
         </p:nvSpPr>
         <p:spPr>
           <a:xfrm>
-            <a:off x="6172200" y="1825625"/>
-            <a:ext cx="5181600" cy="4351338"/>
+            <a:off x="6197600" y="1174750"/>
+            <a:ext cx="5384800" cy="4953000"/>
           </a:xfrm>
         </p:spPr>
         <p:txBody>
@@ -1219,7 +1288,6 @@
         <p:spPr/>
         <p:txBody>
           <a:bodyPr/>
-          <a:lstStyle/>
           <a:p>
             <a:fld id="{63A1C593-65D0-4073-BCC9-577B9352EA97}" type="datetimeFigureOut">
               <a:rPr lang="en-US" smtClean="0"/>
@@ -1241,7 +1309,6 @@
         <p:spPr/>
         <p:txBody>
           <a:bodyPr/>
-          <a:lstStyle/>
           <a:p>
             <a:endParaRPr lang="en-US"/>
           </a:p>
@@ -1260,7 +1327,6 @@
         <p:spPr/>
         <p:txBody>
           <a:bodyPr/>
-          <a:lstStyle/>
           <a:p>
             <a:fld id="{9B618960-8005-486C-9A75-10CB2AAC16F9}" type="slidenum">
               <a:rPr lang="en-US" smtClean="0"/>
@@ -1274,6 +1340,7 @@
   <p:clrMapOvr>
     <a:masterClrMapping/>
   </p:clrMapOvr>
+  <p:hf sldNum="0" hdr="0" ftr="0" dt="0"/>
 </p:sldLayout>
 </file>
 
@@ -1306,7 +1373,7 @@
         </p:nvSpPr>
         <p:spPr>
           <a:xfrm>
-            <a:off x="839788" y="365125"/>
+            <a:off x="840317" y="365125"/>
             <a:ext cx="10515600" cy="1325563"/>
           </a:xfrm>
         </p:spPr>
@@ -1334,8 +1401,8 @@
         </p:nvSpPr>
         <p:spPr>
           <a:xfrm>
-            <a:off x="839788" y="1681163"/>
-            <a:ext cx="5157787" cy="823912"/>
+            <a:off x="840317" y="1681163"/>
+            <a:ext cx="5158316" cy="823912"/>
           </a:xfrm>
         </p:spPr>
         <p:txBody>
@@ -1400,8 +1467,8 @@
         </p:nvSpPr>
         <p:spPr>
           <a:xfrm>
-            <a:off x="839788" y="2505075"/>
-            <a:ext cx="5157787" cy="3684588"/>
+            <a:off x="840317" y="2505075"/>
+            <a:ext cx="5158316" cy="3684588"/>
           </a:xfrm>
         </p:spPr>
         <p:txBody>
@@ -1462,7 +1529,7 @@
         <p:spPr>
           <a:xfrm>
             <a:off x="6172200" y="1681163"/>
-            <a:ext cx="5183188" cy="823912"/>
+            <a:ext cx="5183717" cy="823912"/>
           </a:xfrm>
         </p:spPr>
         <p:txBody>
@@ -1528,7 +1595,7 @@
         <p:spPr>
           <a:xfrm>
             <a:off x="6172200" y="2505075"/>
-            <a:ext cx="5183188" cy="3684588"/>
+            <a:ext cx="5183717" cy="3684588"/>
           </a:xfrm>
         </p:spPr>
         <p:txBody>
@@ -1589,7 +1656,6 @@
         <p:spPr/>
         <p:txBody>
           <a:bodyPr/>
-          <a:lstStyle/>
           <a:p>
             <a:fld id="{63A1C593-65D0-4073-BCC9-577B9352EA97}" type="datetimeFigureOut">
               <a:rPr lang="en-US" smtClean="0"/>
@@ -1611,7 +1677,6 @@
         <p:spPr/>
         <p:txBody>
           <a:bodyPr/>
-          <a:lstStyle/>
           <a:p>
             <a:endParaRPr lang="en-US"/>
           </a:p>
@@ -1630,7 +1695,6 @@
         <p:spPr/>
         <p:txBody>
           <a:bodyPr/>
-          <a:lstStyle/>
           <a:p>
             <a:fld id="{9B618960-8005-486C-9A75-10CB2AAC16F9}" type="slidenum">
               <a:rPr lang="en-US" smtClean="0"/>
@@ -1644,6 +1708,7 @@
   <p:clrMapOvr>
     <a:masterClrMapping/>
   </p:clrMapOvr>
+  <p:hf sldNum="0" hdr="0" ftr="0" dt="0"/>
 </p:sldLayout>
 </file>
 
@@ -1700,7 +1765,6 @@
         <p:spPr/>
         <p:txBody>
           <a:bodyPr/>
-          <a:lstStyle/>
           <a:p>
             <a:fld id="{63A1C593-65D0-4073-BCC9-577B9352EA97}" type="datetimeFigureOut">
               <a:rPr lang="en-US" smtClean="0"/>
@@ -1722,7 +1786,6 @@
         <p:spPr/>
         <p:txBody>
           <a:bodyPr/>
-          <a:lstStyle/>
           <a:p>
             <a:endParaRPr lang="en-US"/>
           </a:p>
@@ -1741,7 +1804,6 @@
         <p:spPr/>
         <p:txBody>
           <a:bodyPr/>
-          <a:lstStyle/>
           <a:p>
             <a:fld id="{9B618960-8005-486C-9A75-10CB2AAC16F9}" type="slidenum">
               <a:rPr lang="en-US" smtClean="0"/>
@@ -1755,6 +1817,7 @@
   <p:clrMapOvr>
     <a:masterClrMapping/>
   </p:clrMapOvr>
+  <p:hf sldNum="0" hdr="0" ftr="0" dt="0"/>
 </p:sldLayout>
 </file>
 
@@ -1788,7 +1851,6 @@
         <p:spPr/>
         <p:txBody>
           <a:bodyPr/>
-          <a:lstStyle/>
           <a:p>
             <a:fld id="{63A1C593-65D0-4073-BCC9-577B9352EA97}" type="datetimeFigureOut">
               <a:rPr lang="en-US" smtClean="0"/>
@@ -1810,7 +1872,6 @@
         <p:spPr/>
         <p:txBody>
           <a:bodyPr/>
-          <a:lstStyle/>
           <a:p>
             <a:endParaRPr lang="en-US"/>
           </a:p>
@@ -1829,7 +1890,6 @@
         <p:spPr/>
         <p:txBody>
           <a:bodyPr/>
-          <a:lstStyle/>
           <a:p>
             <a:fld id="{9B618960-8005-486C-9A75-10CB2AAC16F9}" type="slidenum">
               <a:rPr lang="en-US" smtClean="0"/>
@@ -1843,6 +1903,7 @@
   <p:clrMapOvr>
     <a:masterClrMapping/>
   </p:clrMapOvr>
+  <p:hf sldNum="0" hdr="0" ftr="0" dt="0"/>
 </p:sldLayout>
 </file>
 
@@ -1875,8 +1936,8 @@
         </p:nvSpPr>
         <p:spPr>
           <a:xfrm>
-            <a:off x="839788" y="457200"/>
-            <a:ext cx="3932237" cy="1600200"/>
+            <a:off x="840317" y="457200"/>
+            <a:ext cx="3932767" cy="1600200"/>
           </a:xfrm>
         </p:spPr>
         <p:txBody>
@@ -1907,7 +1968,7 @@
         </p:nvSpPr>
         <p:spPr>
           <a:xfrm>
-            <a:off x="5183188" y="987425"/>
+            <a:off x="5183717" y="987425"/>
             <a:ext cx="6172200" cy="4873625"/>
           </a:xfrm>
         </p:spPr>
@@ -1996,8 +2057,8 @@
         </p:nvSpPr>
         <p:spPr>
           <a:xfrm>
-            <a:off x="839788" y="2057400"/>
-            <a:ext cx="3932237" cy="3811588"/>
+            <a:off x="840317" y="2057400"/>
+            <a:ext cx="3932767" cy="3811588"/>
           </a:xfrm>
         </p:spPr>
         <p:txBody>
@@ -2063,7 +2124,6 @@
         <p:spPr/>
         <p:txBody>
           <a:bodyPr/>
-          <a:lstStyle/>
           <a:p>
             <a:fld id="{63A1C593-65D0-4073-BCC9-577B9352EA97}" type="datetimeFigureOut">
               <a:rPr lang="en-US" smtClean="0"/>
@@ -2085,7 +2145,6 @@
         <p:spPr/>
         <p:txBody>
           <a:bodyPr/>
-          <a:lstStyle/>
           <a:p>
             <a:endParaRPr lang="en-US"/>
           </a:p>
@@ -2104,7 +2163,6 @@
         <p:spPr/>
         <p:txBody>
           <a:bodyPr/>
-          <a:lstStyle/>
           <a:p>
             <a:fld id="{9B618960-8005-486C-9A75-10CB2AAC16F9}" type="slidenum">
               <a:rPr lang="en-US" smtClean="0"/>
@@ -2118,6 +2176,7 @@
   <p:clrMapOvr>
     <a:masterClrMapping/>
   </p:clrMapOvr>
+  <p:hf sldNum="0" hdr="0" ftr="0" dt="0"/>
 </p:sldLayout>
 </file>
 
@@ -2150,8 +2209,8 @@
         </p:nvSpPr>
         <p:spPr>
           <a:xfrm>
-            <a:off x="839788" y="457200"/>
-            <a:ext cx="3932237" cy="1600200"/>
+            <a:off x="840317" y="457200"/>
+            <a:ext cx="3932767" cy="1600200"/>
           </a:xfrm>
         </p:spPr>
         <p:txBody>
@@ -2182,12 +2241,12 @@
         </p:nvSpPr>
         <p:spPr>
           <a:xfrm>
-            <a:off x="5183188" y="987425"/>
+            <a:off x="5183717" y="987425"/>
             <a:ext cx="6172200" cy="4873625"/>
           </a:xfrm>
         </p:spPr>
         <p:txBody>
-          <a:bodyPr/>
+          <a:bodyPr vert="horz" wrap="square" lIns="91440" tIns="45720" rIns="91440" bIns="45720" numCol="1" anchor="t" anchorCtr="0" compatLnSpc="1"/>
           <a:lstStyle>
             <a:lvl1pPr marL="0" indent="0">
               <a:buNone/>
@@ -2227,7 +2286,36 @@
             </a:lvl9pPr>
           </a:lstStyle>
           <a:p>
-            <a:endParaRPr lang="en-US"/>
+            <a:pPr marL="0" marR="0" lvl="0" indent="0" algn="l" defTabSz="914400" rtl="0" eaLnBrk="1" fontAlgn="base" latinLnBrk="0" hangingPunct="1">
+              <a:lnSpc>
+                <a:spcPct val="100000"/>
+              </a:lnSpc>
+              <a:spcBef>
+                <a:spcPct val="20000"/>
+              </a:spcBef>
+              <a:spcAft>
+                <a:spcPct val="0"/>
+              </a:spcAft>
+              <a:buClrTx/>
+              <a:buSzTx/>
+              <a:buFontTx/>
+              <a:buNone/>
+              <a:defRPr/>
+            </a:pPr>
+            <a:endParaRPr kumimoji="0" lang="en-US" sz="3200" b="0" i="0" u="none" strike="noStrike" kern="1200" cap="none" spc="0" normalizeH="0" baseline="0" noProof="0" smtClean="0">
+              <a:ln>
+                <a:noFill/>
+              </a:ln>
+              <a:solidFill>
+                <a:schemeClr val="tx1"/>
+              </a:solidFill>
+              <a:effectLst/>
+              <a:uLnTx/>
+              <a:uFillTx/>
+              <a:latin typeface="+mn-lt"/>
+              <a:ea typeface="+mn-ea"/>
+              <a:cs typeface="+mn-cs"/>
+            </a:endParaRPr>
           </a:p>
         </p:txBody>
       </p:sp>
@@ -2243,8 +2331,8 @@
         </p:nvSpPr>
         <p:spPr>
           <a:xfrm>
-            <a:off x="839788" y="2057400"/>
-            <a:ext cx="3932237" cy="3811588"/>
+            <a:off x="840317" y="2057400"/>
+            <a:ext cx="3932767" cy="3811588"/>
           </a:xfrm>
         </p:spPr>
         <p:txBody>
@@ -2310,7 +2398,6 @@
         <p:spPr/>
         <p:txBody>
           <a:bodyPr/>
-          <a:lstStyle/>
           <a:p>
             <a:fld id="{63A1C593-65D0-4073-BCC9-577B9352EA97}" type="datetimeFigureOut">
               <a:rPr lang="en-US" smtClean="0"/>
@@ -2332,7 +2419,6 @@
         <p:spPr/>
         <p:txBody>
           <a:bodyPr/>
-          <a:lstStyle/>
           <a:p>
             <a:endParaRPr lang="en-US"/>
           </a:p>
@@ -2351,7 +2437,6 @@
         <p:spPr/>
         <p:txBody>
           <a:bodyPr/>
-          <a:lstStyle/>
           <a:p>
             <a:fld id="{9B618960-8005-486C-9A75-10CB2AAC16F9}" type="slidenum">
               <a:rPr lang="en-US" smtClean="0"/>
@@ -2365,6 +2450,7 @@
   <p:clrMapOvr>
     <a:masterClrMapping/>
   </p:clrMapOvr>
+  <p:hf sldNum="0" hdr="0" ftr="0" dt="0"/>
 </p:sldLayout>
 </file>
 
@@ -2372,9 +2458,12 @@
 <p:sldMaster xmlns:a="http://schemas.openxmlformats.org/drawingml/2006/main" xmlns:r="http://schemas.openxmlformats.org/officeDocument/2006/relationships" xmlns:p="http://schemas.openxmlformats.org/presentationml/2006/main">
   <p:cSld>
     <p:bg>
-      <p:bgRef idx="1001">
-        <a:schemeClr val="bg1"/>
-      </p:bgRef>
+      <p:bgPr>
+        <a:solidFill>
+          <a:schemeClr val="bg1"/>
+        </a:solidFill>
+        <a:effectLst/>
+      </p:bgPr>
     </p:bg>
     <p:spTree>
       <p:nvGrpSpPr>
@@ -2382,220 +2471,325 @@
         <p:cNvGrpSpPr/>
         <p:nvPr/>
       </p:nvGrpSpPr>
-      <p:grpSpPr>
-        <a:xfrm>
-          <a:off x="0" y="0"/>
-          <a:ext cx="0" cy="0"/>
-          <a:chOff x="0" y="0"/>
-          <a:chExt cx="0" cy="0"/>
-        </a:xfrm>
-      </p:grpSpPr>
-      <p:sp>
-        <p:nvSpPr>
-          <p:cNvPr id="2" name="Title Placeholder 1"/>
-          <p:cNvSpPr>
-            <a:spLocks noGrp="1"/>
-          </p:cNvSpPr>
-          <p:nvPr>
-            <p:ph type="title"/>
-          </p:nvPr>
-        </p:nvSpPr>
+      <p:grpSpPr/>
+      <p:pic>
+        <p:nvPicPr>
+          <p:cNvPr id="1026" name="Picture 3"/>
+          <p:cNvPicPr>
+            <a:picLocks noChangeAspect="1"/>
+          </p:cNvPicPr>
+          <p:nvPr/>
+        </p:nvPicPr>
+        <p:blipFill>
+          <a:blip r:embed="rId12"/>
+          <a:stretch>
+            <a:fillRect/>
+          </a:stretch>
+        </p:blipFill>
         <p:spPr>
           <a:xfrm>
-            <a:off x="838200" y="365125"/>
-            <a:ext cx="10515600" cy="1325563"/>
+            <a:off x="-8467" y="0"/>
+            <a:ext cx="12200467" cy="6858000"/>
           </a:xfrm>
           <a:prstGeom prst="rect">
             <a:avLst/>
           </a:prstGeom>
+          <a:noFill/>
+          <a:ln w="9525">
+            <a:noFill/>
+          </a:ln>
         </p:spPr>
-        <p:txBody>
-          <a:bodyPr vert="horz" lIns="91440" tIns="45720" rIns="91440" bIns="45720" rtlCol="0" anchor="ctr">
-            <a:normAutofit/>
-          </a:bodyPr>
-          <a:lstStyle/>
-          <a:p>
-            <a:r>
-              <a:rPr lang="en-US" smtClean="0"/>
-              <a:t>Click to edit Master title style</a:t>
-            </a:r>
-            <a:endParaRPr lang="en-US"/>
-          </a:p>
-        </p:txBody>
-      </p:sp>
-      <p:sp>
-        <p:nvSpPr>
-          <p:cNvPr id="3" name="Text Placeholder 2"/>
-          <p:cNvSpPr>
-            <a:spLocks noGrp="1"/>
-          </p:cNvSpPr>
-          <p:nvPr>
-            <p:ph type="body" idx="1"/>
+      </p:pic>
+      <p:sp>
+        <p:nvSpPr>
+          <p:cNvPr id="1027" name="Rectangle 3"/>
+          <p:cNvSpPr>
+            <a:spLocks noGrp="1"/>
+          </p:cNvSpPr>
+          <p:nvPr>
+            <p:ph type="title"/>
           </p:nvPr>
         </p:nvSpPr>
         <p:spPr>
           <a:xfrm>
-            <a:off x="838200" y="1825625"/>
-            <a:ext cx="10515600" cy="4351338"/>
+            <a:off x="609600" y="190500"/>
+            <a:ext cx="10972800" cy="582613"/>
           </a:xfrm>
           <a:prstGeom prst="rect">
             <a:avLst/>
           </a:prstGeom>
+          <a:noFill/>
+          <a:ln w="9525">
+            <a:noFill/>
+          </a:ln>
         </p:spPr>
         <p:txBody>
-          <a:bodyPr vert="horz" lIns="91440" tIns="45720" rIns="91440" bIns="45720" rtlCol="0">
-            <a:normAutofit/>
-          </a:bodyPr>
-          <a:lstStyle/>
+          <a:bodyPr anchor="ctr" anchorCtr="0"/>
           <a:p>
             <a:pPr lvl="0"/>
             <a:r>
-              <a:rPr lang="en-US" smtClean="0"/>
-              <a:t>Click to edit Master text styles</a:t>
-            </a:r>
-            <a:endParaRPr lang="en-US" smtClean="0"/>
-          </a:p>
-          <a:p>
-            <a:pPr lvl="1"/>
-            <a:r>
-              <a:rPr lang="en-US" smtClean="0"/>
-              <a:t>Second level</a:t>
-            </a:r>
-            <a:endParaRPr lang="en-US" smtClean="0"/>
-          </a:p>
-          <a:p>
-            <a:pPr lvl="2"/>
-            <a:r>
-              <a:rPr lang="en-US" smtClean="0"/>
-              <a:t>Third level</a:t>
-            </a:r>
-            <a:endParaRPr lang="en-US" smtClean="0"/>
-          </a:p>
-          <a:p>
-            <a:pPr lvl="3"/>
-            <a:r>
-              <a:rPr lang="en-US" smtClean="0"/>
-              <a:t>Fourth level</a:t>
-            </a:r>
-            <a:endParaRPr lang="en-US" smtClean="0"/>
-          </a:p>
-          <a:p>
-            <a:pPr lvl="4"/>
-            <a:r>
-              <a:rPr lang="en-US" smtClean="0"/>
-              <a:t>Fifth level</a:t>
-            </a:r>
-            <a:endParaRPr lang="en-US"/>
-          </a:p>
-        </p:txBody>
-      </p:sp>
-      <p:sp>
-        <p:nvSpPr>
-          <p:cNvPr id="4" name="Date Placeholder 3"/>
-          <p:cNvSpPr>
-            <a:spLocks noGrp="1"/>
-          </p:cNvSpPr>
-          <p:nvPr>
-            <p:ph type="dt" sz="half" idx="2"/>
+              <a:rPr lang="en-US" altLang="zh-CN" dirty="0"/>
+              <a:t>Click to edit Master title style</a:t>
+            </a:r>
+            <a:endParaRPr lang="en-US" altLang="zh-CN" dirty="0"/>
+          </a:p>
+        </p:txBody>
+      </p:sp>
+      <p:sp>
+        <p:nvSpPr>
+          <p:cNvPr id="1028" name="Rectangle 4"/>
+          <p:cNvSpPr>
+            <a:spLocks noGrp="1"/>
+          </p:cNvSpPr>
+          <p:nvPr>
+            <p:ph type="body" idx="1"/>
           </p:nvPr>
         </p:nvSpPr>
         <p:spPr>
           <a:xfrm>
-            <a:off x="838200" y="6356350"/>
-            <a:ext cx="2743200" cy="365125"/>
+            <a:off x="609600" y="1174750"/>
+            <a:ext cx="10972800" cy="4953000"/>
           </a:xfrm>
           <a:prstGeom prst="rect">
             <a:avLst/>
           </a:prstGeom>
+          <a:noFill/>
+          <a:ln w="9525">
+            <a:noFill/>
+          </a:ln>
         </p:spPr>
         <p:txBody>
-          <a:bodyPr vert="horz" lIns="91440" tIns="45720" rIns="91440" bIns="45720" rtlCol="0" anchor="ctr"/>
-          <a:lstStyle>
-            <a:lvl1pPr algn="l">
-              <a:defRPr sz="1200">
-                <a:solidFill>
-                  <a:schemeClr val="tx1">
-                    <a:tint val="75000"/>
-                  </a:schemeClr>
-                </a:solidFill>
-              </a:defRPr>
-            </a:lvl1pPr>
-          </a:lstStyle>
-          <a:p>
-            <a:fld id="{63A1C593-65D0-4073-BCC9-577B9352EA97}" type="datetimeFigureOut">
-              <a:rPr lang="en-US" smtClean="0"/>
-            </a:fld>
-            <a:endParaRPr lang="en-US"/>
-          </a:p>
-        </p:txBody>
-      </p:sp>
-      <p:sp>
-        <p:nvSpPr>
-          <p:cNvPr id="5" name="Footer Placeholder 4"/>
-          <p:cNvSpPr>
-            <a:spLocks noGrp="1"/>
-          </p:cNvSpPr>
-          <p:nvPr>
-            <p:ph type="ftr" sz="quarter" idx="3"/>
-          </p:nvPr>
-        </p:nvSpPr>
-        <p:spPr>
+          <a:bodyPr/>
+          <a:p>
+            <a:pPr lvl="0"/>
+            <a:r>
+              <a:rPr lang="en-US" altLang="zh-CN" dirty="0"/>
+              <a:t>Click to edit Master text styles</a:t>
+            </a:r>
+            <a:endParaRPr lang="en-US" altLang="zh-CN" dirty="0"/>
+          </a:p>
+          <a:p>
+            <a:pPr lvl="1"/>
+            <a:r>
+              <a:rPr lang="en-US" altLang="zh-CN" dirty="0"/>
+              <a:t>Second level</a:t>
+            </a:r>
+            <a:endParaRPr lang="en-US" altLang="zh-CN" dirty="0"/>
+          </a:p>
+          <a:p>
+            <a:pPr lvl="2"/>
+            <a:r>
+              <a:rPr lang="en-US" altLang="zh-CN" dirty="0"/>
+              <a:t>Third level</a:t>
+            </a:r>
+            <a:endParaRPr lang="en-US" altLang="zh-CN" dirty="0"/>
+          </a:p>
+          <a:p>
+            <a:pPr lvl="3"/>
+            <a:r>
+              <a:rPr lang="en-US" altLang="zh-CN" dirty="0"/>
+              <a:t>Fourth level</a:t>
+            </a:r>
+            <a:endParaRPr lang="en-US" altLang="zh-CN" dirty="0"/>
+          </a:p>
+          <a:p>
+            <a:pPr lvl="4"/>
+            <a:r>
+              <a:rPr lang="en-US" altLang="zh-CN" dirty="0"/>
+              <a:t>Fifth level</a:t>
+            </a:r>
+            <a:endParaRPr lang="en-US" altLang="zh-CN" dirty="0"/>
+          </a:p>
+        </p:txBody>
+      </p:sp>
+      <p:sp>
+        <p:nvSpPr>
+          <p:cNvPr id="1029" name="Rectangle 5"/>
+          <p:cNvSpPr>
+            <a:spLocks noGrp="1" noChangeArrowheads="1"/>
+          </p:cNvSpPr>
+          <p:nvPr>
+            <p:ph type="dt" sz="half" idx="2"/>
+          </p:nvPr>
+        </p:nvSpPr>
+        <p:spPr bwMode="auto">
           <a:xfrm>
-            <a:off x="4038600" y="6356350"/>
-            <a:ext cx="4114800" cy="365125"/>
+            <a:off x="609600" y="6245225"/>
+            <a:ext cx="2844800" cy="476250"/>
           </a:xfrm>
           <a:prstGeom prst="rect">
             <a:avLst/>
           </a:prstGeom>
+          <a:noFill/>
+          <a:ln>
+            <a:noFill/>
+          </a:ln>
+          <a:effectLst/>
+          <a:extLst>
+            <a:ext uri="{909E8E84-426E-40DD-AFC4-6F175D3DCCD1}">
+              <a14:hiddenFill xmlns:a14="http://schemas.microsoft.com/office/drawing/2010/main">
+                <a:solidFill>
+                  <a:schemeClr val="accent1"/>
+                </a:solidFill>
+              </a14:hiddenFill>
+            </a:ext>
+            <a:ext uri="{91240B29-F687-4F45-9708-019B960494DF}">
+              <a14:hiddenLine xmlns:a14="http://schemas.microsoft.com/office/drawing/2010/main" w="9525">
+                <a:solidFill>
+                  <a:srgbClr val="000000"/>
+                </a:solidFill>
+                <a:miter lim="800000"/>
+                <a:headEnd/>
+                <a:tailEnd/>
+              </a14:hiddenLine>
+            </a:ext>
+            <a:ext uri="{AF507438-7753-43E0-B8FC-AC1667EBCBE1}">
+              <a14:hiddenEffects xmlns:a14="http://schemas.microsoft.com/office/drawing/2010/main">
+                <a:effectLst>
+                  <a:outerShdw dist="35921" dir="2700000" algn="ctr" rotWithShape="0">
+                    <a:schemeClr val="bg2"/>
+                  </a:outerShdw>
+                </a:effectLst>
+              </a14:hiddenEffects>
+            </a:ext>
+          </a:extLst>
         </p:spPr>
         <p:txBody>
-          <a:bodyPr vert="horz" lIns="91440" tIns="45720" rIns="91440" bIns="45720" rtlCol="0" anchor="ctr"/>
+          <a:bodyPr vert="horz" wrap="square" lIns="91440" tIns="45720" rIns="91440" bIns="45720" numCol="1" anchor="t" anchorCtr="0" compatLnSpc="1"/>
           <a:lstStyle>
-            <a:lvl1pPr algn="ctr">
-              <a:defRPr sz="1200">
-                <a:solidFill>
-                  <a:schemeClr val="tx1">
-                    <a:tint val="75000"/>
-                  </a:schemeClr>
-                </a:solidFill>
-              </a:defRPr>
+            <a:lvl1pPr>
+              <a:defRPr sz="1400"/>
             </a:lvl1pPr>
           </a:lstStyle>
           <a:p>
-            <a:endParaRPr lang="en-US"/>
-          </a:p>
-        </p:txBody>
-      </p:sp>
-      <p:sp>
-        <p:nvSpPr>
-          <p:cNvPr id="6" name="Slide Number Placeholder 5"/>
-          <p:cNvSpPr>
-            <a:spLocks noGrp="1"/>
-          </p:cNvSpPr>
-          <p:nvPr>
-            <p:ph type="sldNum" sz="quarter" idx="4"/>
-          </p:nvPr>
-        </p:nvSpPr>
-        <p:spPr>
+            <a:fld id="{63A1C593-65D0-4073-BCC9-577B9352EA97}" type="datetimeFigureOut">
+              <a:rPr lang="en-US" smtClean="0"/>
+            </a:fld>
+            <a:endParaRPr lang="en-US"/>
+          </a:p>
+        </p:txBody>
+      </p:sp>
+      <p:sp>
+        <p:nvSpPr>
+          <p:cNvPr id="1030" name="Rectangle 6"/>
+          <p:cNvSpPr>
+            <a:spLocks noGrp="1" noChangeArrowheads="1"/>
+          </p:cNvSpPr>
+          <p:nvPr>
+            <p:ph type="ftr" sz="quarter" idx="3"/>
+          </p:nvPr>
+        </p:nvSpPr>
+        <p:spPr bwMode="auto">
           <a:xfrm>
-            <a:off x="8610600" y="6356350"/>
-            <a:ext cx="2743200" cy="365125"/>
+            <a:off x="4165600" y="6245225"/>
+            <a:ext cx="3860800" cy="476250"/>
           </a:xfrm>
           <a:prstGeom prst="rect">
             <a:avLst/>
           </a:prstGeom>
+          <a:noFill/>
+          <a:ln>
+            <a:noFill/>
+          </a:ln>
+          <a:effectLst/>
+          <a:extLst>
+            <a:ext uri="{909E8E84-426E-40DD-AFC4-6F175D3DCCD1}">
+              <a14:hiddenFill xmlns:a14="http://schemas.microsoft.com/office/drawing/2010/main">
+                <a:solidFill>
+                  <a:schemeClr val="accent1"/>
+                </a:solidFill>
+              </a14:hiddenFill>
+            </a:ext>
+            <a:ext uri="{91240B29-F687-4F45-9708-019B960494DF}">
+              <a14:hiddenLine xmlns:a14="http://schemas.microsoft.com/office/drawing/2010/main" w="9525">
+                <a:solidFill>
+                  <a:srgbClr val="000000"/>
+                </a:solidFill>
+                <a:miter lim="800000"/>
+                <a:headEnd/>
+                <a:tailEnd/>
+              </a14:hiddenLine>
+            </a:ext>
+            <a:ext uri="{AF507438-7753-43E0-B8FC-AC1667EBCBE1}">
+              <a14:hiddenEffects xmlns:a14="http://schemas.microsoft.com/office/drawing/2010/main">
+                <a:effectLst>
+                  <a:outerShdw dist="35921" dir="2700000" algn="ctr" rotWithShape="0">
+                    <a:schemeClr val="bg2"/>
+                  </a:outerShdw>
+                </a:effectLst>
+              </a14:hiddenEffects>
+            </a:ext>
+          </a:extLst>
         </p:spPr>
         <p:txBody>
-          <a:bodyPr vert="horz" lIns="91440" tIns="45720" rIns="91440" bIns="45720" rtlCol="0" anchor="ctr"/>
+          <a:bodyPr vert="horz" wrap="square" lIns="91440" tIns="45720" rIns="91440" bIns="45720" numCol="1" anchor="t" anchorCtr="0" compatLnSpc="1"/>
+          <a:lstStyle>
+            <a:lvl1pPr algn="ctr">
+              <a:defRPr sz="1400"/>
+            </a:lvl1pPr>
+          </a:lstStyle>
+          <a:p>
+            <a:endParaRPr lang="en-US"/>
+          </a:p>
+        </p:txBody>
+      </p:sp>
+      <p:sp>
+        <p:nvSpPr>
+          <p:cNvPr id="1031" name="Rectangle 7"/>
+          <p:cNvSpPr>
+            <a:spLocks noGrp="1" noChangeArrowheads="1"/>
+          </p:cNvSpPr>
+          <p:nvPr>
+            <p:ph type="sldNum" sz="quarter" idx="4"/>
+          </p:nvPr>
+        </p:nvSpPr>
+        <p:spPr bwMode="auto">
+          <a:xfrm>
+            <a:off x="8737600" y="6245225"/>
+            <a:ext cx="2844800" cy="476250"/>
+          </a:xfrm>
+          <a:prstGeom prst="rect">
+            <a:avLst/>
+          </a:prstGeom>
+          <a:noFill/>
+          <a:ln>
+            <a:noFill/>
+          </a:ln>
+          <a:effectLst/>
+          <a:extLst>
+            <a:ext uri="{909E8E84-426E-40DD-AFC4-6F175D3DCCD1}">
+              <a14:hiddenFill xmlns:a14="http://schemas.microsoft.com/office/drawing/2010/main">
+                <a:solidFill>
+                  <a:schemeClr val="accent1"/>
+                </a:solidFill>
+              </a14:hiddenFill>
+            </a:ext>
+            <a:ext uri="{91240B29-F687-4F45-9708-019B960494DF}">
+              <a14:hiddenLine xmlns:a14="http://schemas.microsoft.com/office/drawing/2010/main" w="9525">
+                <a:solidFill>
+                  <a:srgbClr val="000000"/>
+                </a:solidFill>
+                <a:miter lim="800000"/>
+                <a:headEnd/>
+                <a:tailEnd/>
+              </a14:hiddenLine>
+            </a:ext>
+            <a:ext uri="{AF507438-7753-43E0-B8FC-AC1667EBCBE1}">
+              <a14:hiddenEffects xmlns:a14="http://schemas.microsoft.com/office/drawing/2010/main">
+                <a:effectLst>
+                  <a:outerShdw dist="35921" dir="2700000" algn="ctr" rotWithShape="0">
+                    <a:schemeClr val="bg2"/>
+                  </a:outerShdw>
+                </a:effectLst>
+              </a14:hiddenEffects>
+            </a:ext>
+          </a:extLst>
+        </p:spPr>
+        <p:txBody>
+          <a:bodyPr vert="horz" wrap="square" lIns="91440" tIns="45720" rIns="91440" bIns="45720" numCol="1" anchor="t" anchorCtr="0" compatLnSpc="1"/>
           <a:lstStyle>
             <a:lvl1pPr algn="r">
-              <a:defRPr sz="1200">
-                <a:solidFill>
-                  <a:schemeClr val="tx1">
-                    <a:tint val="75000"/>
-                  </a:schemeClr>
-                </a:solidFill>
-              </a:defRPr>
+              <a:defRPr sz="1400"/>
             </a:lvl1pPr>
           </a:lstStyle>
           <a:p>
@@ -2622,17 +2816,17 @@
     <p:sldLayoutId id="2147483658" r:id="rId10"/>
     <p:sldLayoutId id="2147483659" r:id="rId11"/>
   </p:sldLayoutIdLst>
+  <p:hf sldNum="0" hdr="0" ftr="0" dt="0"/>
   <p:txStyles>
     <p:titleStyle>
-      <a:lvl1pPr algn="l" defTabSz="914400" rtl="0" eaLnBrk="1" latinLnBrk="0" hangingPunct="1">
-        <a:lnSpc>
-          <a:spcPct val="90000"/>
-        </a:lnSpc>
+      <a:lvl1pPr algn="l" rtl="0" fontAlgn="base">
         <a:spcBef>
           <a:spcPct val="0"/>
         </a:spcBef>
-        <a:buNone/>
-        <a:defRPr sz="4400" kern="1200">
+        <a:spcAft>
+          <a:spcPct val="0"/>
+        </a:spcAft>
+        <a:defRPr sz="3600" kern="1200">
           <a:solidFill>
             <a:schemeClr val="tx1"/>
           </a:solidFill>
@@ -2641,17 +2835,153 @@
           <a:cs typeface="+mj-cs"/>
         </a:defRPr>
       </a:lvl1pPr>
+      <a:lvl2pPr algn="l" rtl="0" fontAlgn="base">
+        <a:spcBef>
+          <a:spcPct val="0"/>
+        </a:spcBef>
+        <a:spcAft>
+          <a:spcPct val="0"/>
+        </a:spcAft>
+        <a:defRPr sz="3600">
+          <a:solidFill>
+            <a:schemeClr val="tx1"/>
+          </a:solidFill>
+          <a:latin typeface="Arial" panose="020B0604020202020204" pitchFamily="34" charset="0"/>
+          <a:ea typeface="SimSun" panose="02010600030101010101" pitchFamily="2" charset="-122"/>
+        </a:defRPr>
+      </a:lvl2pPr>
+      <a:lvl3pPr algn="l" rtl="0" fontAlgn="base">
+        <a:spcBef>
+          <a:spcPct val="0"/>
+        </a:spcBef>
+        <a:spcAft>
+          <a:spcPct val="0"/>
+        </a:spcAft>
+        <a:defRPr sz="3600">
+          <a:solidFill>
+            <a:schemeClr val="tx1"/>
+          </a:solidFill>
+          <a:latin typeface="Arial" panose="020B0604020202020204" pitchFamily="34" charset="0"/>
+          <a:ea typeface="SimSun" panose="02010600030101010101" pitchFamily="2" charset="-122"/>
+        </a:defRPr>
+      </a:lvl3pPr>
+      <a:lvl4pPr algn="l" rtl="0" fontAlgn="base">
+        <a:spcBef>
+          <a:spcPct val="0"/>
+        </a:spcBef>
+        <a:spcAft>
+          <a:spcPct val="0"/>
+        </a:spcAft>
+        <a:defRPr sz="3600">
+          <a:solidFill>
+            <a:schemeClr val="tx1"/>
+          </a:solidFill>
+          <a:latin typeface="Arial" panose="020B0604020202020204" pitchFamily="34" charset="0"/>
+          <a:ea typeface="SimSun" panose="02010600030101010101" pitchFamily="2" charset="-122"/>
+        </a:defRPr>
+      </a:lvl4pPr>
+      <a:lvl5pPr algn="l" rtl="0" fontAlgn="base">
+        <a:spcBef>
+          <a:spcPct val="0"/>
+        </a:spcBef>
+        <a:spcAft>
+          <a:spcPct val="0"/>
+        </a:spcAft>
+        <a:defRPr sz="3600">
+          <a:solidFill>
+            <a:schemeClr val="tx1"/>
+          </a:solidFill>
+          <a:latin typeface="Arial" panose="020B0604020202020204" pitchFamily="34" charset="0"/>
+          <a:ea typeface="SimSun" panose="02010600030101010101" pitchFamily="2" charset="-122"/>
+        </a:defRPr>
+      </a:lvl5pPr>
+      <a:lvl6pPr marL="457200" algn="l" rtl="0" fontAlgn="base">
+        <a:spcBef>
+          <a:spcPct val="0"/>
+        </a:spcBef>
+        <a:spcAft>
+          <a:spcPct val="0"/>
+        </a:spcAft>
+        <a:defRPr sz="3600">
+          <a:solidFill>
+            <a:schemeClr val="tx1"/>
+          </a:solidFill>
+          <a:latin typeface="Arial" panose="020B0604020202020204" pitchFamily="34" charset="0"/>
+          <a:ea typeface="SimSun" panose="02010600030101010101" pitchFamily="2" charset="-122"/>
+        </a:defRPr>
+      </a:lvl6pPr>
+      <a:lvl7pPr marL="914400" algn="l" rtl="0" fontAlgn="base">
+        <a:spcBef>
+          <a:spcPct val="0"/>
+        </a:spcBef>
+        <a:spcAft>
+          <a:spcPct val="0"/>
+        </a:spcAft>
+        <a:defRPr sz="3600">
+          <a:solidFill>
+            <a:schemeClr val="tx1"/>
+          </a:solidFill>
+          <a:latin typeface="Arial" panose="020B0604020202020204" pitchFamily="34" charset="0"/>
+          <a:ea typeface="SimSun" panose="02010600030101010101" pitchFamily="2" charset="-122"/>
+        </a:defRPr>
+      </a:lvl7pPr>
+      <a:lvl8pPr marL="1371600" algn="l" rtl="0" fontAlgn="base">
+        <a:spcBef>
+          <a:spcPct val="0"/>
+        </a:spcBef>
+        <a:spcAft>
+          <a:spcPct val="0"/>
+        </a:spcAft>
+        <a:defRPr sz="3600">
+          <a:solidFill>
+            <a:schemeClr val="tx1"/>
+          </a:solidFill>
+          <a:latin typeface="Arial" panose="020B0604020202020204" pitchFamily="34" charset="0"/>
+          <a:ea typeface="SimSun" panose="02010600030101010101" pitchFamily="2" charset="-122"/>
+        </a:defRPr>
+      </a:lvl8pPr>
+      <a:lvl9pPr marL="1828800" algn="l" rtl="0" fontAlgn="base">
+        <a:spcBef>
+          <a:spcPct val="0"/>
+        </a:spcBef>
+        <a:spcAft>
+          <a:spcPct val="0"/>
+        </a:spcAft>
+        <a:defRPr sz="3600">
+          <a:solidFill>
+            <a:schemeClr val="tx1"/>
+          </a:solidFill>
+          <a:latin typeface="Arial" panose="020B0604020202020204" pitchFamily="34" charset="0"/>
+          <a:ea typeface="SimSun" panose="02010600030101010101" pitchFamily="2" charset="-122"/>
+        </a:defRPr>
+      </a:lvl9pPr>
     </p:titleStyle>
     <p:bodyStyle>
-      <a:lvl1pPr marL="228600" indent="-228600" algn="l" defTabSz="914400" rtl="0" eaLnBrk="1" latinLnBrk="0" hangingPunct="1">
-        <a:lnSpc>
-          <a:spcPct val="90000"/>
-        </a:lnSpc>
+      <a:lvl1pPr marL="342900" indent="-342900" algn="l" rtl="0" fontAlgn="base">
         <a:spcBef>
-          <a:spcPts val="1000"/>
+          <a:spcPct val="20000"/>
         </a:spcBef>
-        <a:buFont typeface="Arial" panose="020B0604020202020204" pitchFamily="34" charset="0"/>
+        <a:spcAft>
+          <a:spcPct val="0"/>
+        </a:spcAft>
         <a:buChar char="•"/>
+        <a:defRPr sz="3200" kern="1200">
+          <a:solidFill>
+            <a:schemeClr val="tx1"/>
+          </a:solidFill>
+          <a:latin typeface="+mn-lt"/>
+          <a:ea typeface="+mn-ea"/>
+          <a:cs typeface="+mn-cs"/>
+        </a:defRPr>
+      </a:lvl1pPr>
+      <a:lvl2pPr marL="742950" indent="-285750" algn="l" rtl="0" fontAlgn="base">
+        <a:spcBef>
+          <a:spcPct val="20000"/>
+        </a:spcBef>
+        <a:spcAft>
+          <a:spcPct val="0"/>
+        </a:spcAft>
+        <a:buChar char="–"/>
         <a:defRPr sz="2800" kern="1200">
           <a:solidFill>
             <a:schemeClr val="tx1"/>
@@ -2660,15 +2990,14 @@
           <a:ea typeface="+mn-ea"/>
           <a:cs typeface="+mn-cs"/>
         </a:defRPr>
-      </a:lvl1pPr>
-      <a:lvl2pPr marL="685800" indent="-228600" algn="l" defTabSz="914400" rtl="0" eaLnBrk="1" latinLnBrk="0" hangingPunct="1">
-        <a:lnSpc>
-          <a:spcPct val="90000"/>
-        </a:lnSpc>
+      </a:lvl2pPr>
+      <a:lvl3pPr marL="1143000" indent="-228600" algn="l" rtl="0" fontAlgn="base">
         <a:spcBef>
-          <a:spcPts val="500"/>
+          <a:spcPct val="20000"/>
         </a:spcBef>
-        <a:buFont typeface="Arial" panose="020B0604020202020204" pitchFamily="34" charset="0"/>
+        <a:spcAft>
+          <a:spcPct val="0"/>
+        </a:spcAft>
         <a:buChar char="•"/>
         <a:defRPr sz="2400" kern="1200">
           <a:solidFill>
@@ -2678,16 +3007,15 @@
           <a:ea typeface="+mn-ea"/>
           <a:cs typeface="+mn-cs"/>
         </a:defRPr>
-      </a:lvl2pPr>
-      <a:lvl3pPr marL="1143000" indent="-228600" algn="l" defTabSz="914400" rtl="0" eaLnBrk="1" latinLnBrk="0" hangingPunct="1">
-        <a:lnSpc>
-          <a:spcPct val="90000"/>
-        </a:lnSpc>
+      </a:lvl3pPr>
+      <a:lvl4pPr marL="1600200" indent="-228600" algn="l" rtl="0" fontAlgn="base">
         <a:spcBef>
-          <a:spcPts val="500"/>
+          <a:spcPct val="20000"/>
         </a:spcBef>
-        <a:buFont typeface="Arial" panose="020B0604020202020204" pitchFamily="34" charset="0"/>
-        <a:buChar char="•"/>
+        <a:spcAft>
+          <a:spcPct val="0"/>
+        </a:spcAft>
+        <a:buChar char="–"/>
         <a:defRPr sz="2000" kern="1200">
           <a:solidFill>
             <a:schemeClr val="tx1"/>
@@ -2696,35 +3024,16 @@
           <a:ea typeface="+mn-ea"/>
           <a:cs typeface="+mn-cs"/>
         </a:defRPr>
-      </a:lvl3pPr>
-      <a:lvl4pPr marL="1600200" indent="-228600" algn="l" defTabSz="914400" rtl="0" eaLnBrk="1" latinLnBrk="0" hangingPunct="1">
-        <a:lnSpc>
-          <a:spcPct val="90000"/>
-        </a:lnSpc>
+      </a:lvl4pPr>
+      <a:lvl5pPr marL="2057400" indent="-228600" algn="l" rtl="0" fontAlgn="base">
         <a:spcBef>
-          <a:spcPts val="500"/>
+          <a:spcPct val="20000"/>
         </a:spcBef>
-        <a:buFont typeface="Arial" panose="020B0604020202020204" pitchFamily="34" charset="0"/>
-        <a:buChar char="•"/>
-        <a:defRPr sz="1800" kern="1200">
-          <a:solidFill>
-            <a:schemeClr val="tx1"/>
-          </a:solidFill>
-          <a:latin typeface="+mn-lt"/>
-          <a:ea typeface="+mn-ea"/>
-          <a:cs typeface="+mn-cs"/>
-        </a:defRPr>
-      </a:lvl4pPr>
-      <a:lvl5pPr marL="2057400" indent="-228600" algn="l" defTabSz="914400" rtl="0" eaLnBrk="1" latinLnBrk="0" hangingPunct="1">
-        <a:lnSpc>
-          <a:spcPct val="90000"/>
-        </a:lnSpc>
-        <a:spcBef>
-          <a:spcPts val="500"/>
-        </a:spcBef>
-        <a:buFont typeface="Arial" panose="020B0604020202020204" pitchFamily="34" charset="0"/>
-        <a:buChar char="•"/>
-        <a:defRPr sz="1800" kern="1200">
+        <a:spcAft>
+          <a:spcPct val="0"/>
+        </a:spcAft>
+        <a:buChar char="»"/>
+        <a:defRPr sz="2000" kern="1200">
           <a:solidFill>
             <a:schemeClr val="tx1"/>
           </a:solidFill>
@@ -3054,116 +3363,56 @@
 </file>
 
 <file path=ppt/theme/theme1.xml><?xml version="1.0" encoding="utf-8"?>
-<a:theme xmlns:a="http://schemas.openxmlformats.org/drawingml/2006/main" name="Office Theme">
+<a:theme xmlns:a="http://schemas.openxmlformats.org/drawingml/2006/main" name="Gear Drives">
   <a:themeElements>
-    <a:clrScheme name="Office">
+    <a:clrScheme name="Gear Drives 13">
       <a:dk1>
-        <a:sysClr val="windowText" lastClr="000000"/>
+        <a:srgbClr val="000000"/>
       </a:dk1>
       <a:lt1>
-        <a:sysClr val="window" lastClr="FFFFFF"/>
+        <a:srgbClr val="FFFFFF"/>
       </a:lt1>
       <a:dk2>
-        <a:srgbClr val="44546A"/>
+        <a:srgbClr val="000000"/>
       </a:dk2>
       <a:lt2>
-        <a:srgbClr val="E7E6E6"/>
+        <a:srgbClr val="969696"/>
       </a:lt2>
       <a:accent1>
-        <a:srgbClr val="5B9BD5"/>
+        <a:srgbClr val="5F5F5F"/>
       </a:accent1>
       <a:accent2>
-        <a:srgbClr val="ED7D31"/>
+        <a:srgbClr val="969696"/>
       </a:accent2>
       <a:accent3>
-        <a:srgbClr val="A5A5A5"/>
+        <a:srgbClr val="FFFFFF"/>
       </a:accent3>
       <a:accent4>
-        <a:srgbClr val="FFC000"/>
+        <a:srgbClr val="000000"/>
       </a:accent4>
       <a:accent5>
-        <a:srgbClr val="4472C4"/>
+        <a:srgbClr val="B6B6B6"/>
       </a:accent5>
       <a:accent6>
-        <a:srgbClr val="70AD47"/>
+        <a:srgbClr val="878787"/>
       </a:accent6>
       <a:hlink>
-        <a:srgbClr val="0563C1"/>
+        <a:srgbClr val="CC3300"/>
       </a:hlink>
       <a:folHlink>
-        <a:srgbClr val="954F72"/>
+        <a:srgbClr val="996600"/>
       </a:folHlink>
     </a:clrScheme>
-    <a:fontScheme name="Office">
+    <a:fontScheme name="Gear Drives">
       <a:majorFont>
-        <a:latin typeface="Calibri Light"/>
-        <a:ea typeface=""/>
+        <a:latin typeface="Arial"/>
+        <a:ea typeface="SimSun"/>
         <a:cs typeface=""/>
-        <a:font script="Jpan" typeface="ＭＳ Ｐゴシック"/>
-        <a:font script="Hang" typeface="맑은 고딕"/>
-        <a:font script="Hans" typeface="宋体"/>
-        <a:font script="Hant" typeface="新細明體"/>
-        <a:font script="Arab" typeface="Times New Roman"/>
-        <a:font script="Hebr" typeface="Times New Roman"/>
-        <a:font script="Thai" typeface="Angsana New"/>
-        <a:font script="Ethi" typeface="Nyala"/>
-        <a:font script="Beng" typeface="Vrinda"/>
-        <a:font script="Gujr" typeface="Shruti"/>
-        <a:font script="Khmr" typeface="MoolBoran"/>
-        <a:font script="Knda" typeface="Tunga"/>
-        <a:font script="Guru" typeface="Raavi"/>
-        <a:font script="Cans" typeface="Euphemia"/>
-        <a:font script="Cher" typeface="Plantagenet Cherokee"/>
-        <a:font script="Yiii" typeface="Microsoft Yi Baiti"/>
-        <a:font script="Tibt" typeface="Microsoft Himalaya"/>
-        <a:font script="Thaa" typeface="MV Boli"/>
-        <a:font script="Deva" typeface="Mangal"/>
-        <a:font script="Telu" typeface="Gautami"/>
-        <a:font script="Taml" typeface="Latha"/>
-        <a:font script="Syrc" typeface="Estrangelo Edessa"/>
-        <a:font script="Orya" typeface="Kalinga"/>
-        <a:font script="Mlym" typeface="Kartika"/>
-        <a:font script="Laoo" typeface="DokChampa"/>
-        <a:font script="Sinh" typeface="Iskoola Pota"/>
-        <a:font script="Mong" typeface="Mongolian Baiti"/>
-        <a:font script="Viet" typeface="Times New Roman"/>
-        <a:font script="Uigh" typeface="Microsoft Uighur"/>
-        <a:font script="Geor" typeface="Sylfaen"/>
       </a:majorFont>
       <a:minorFont>
-        <a:latin typeface="Calibri"/>
-        <a:ea typeface=""/>
+        <a:latin typeface="Arial"/>
+        <a:ea typeface="SimSun"/>
         <a:cs typeface=""/>
-        <a:font script="Jpan" typeface="ＭＳ Ｐゴシック"/>
-        <a:font script="Hang" typeface="맑은 고딕"/>
-        <a:font script="Hans" typeface="宋体"/>
-        <a:font script="Hant" typeface="新細明體"/>
-        <a:font script="Arab" typeface="Arial"/>
-        <a:font script="Hebr" typeface="Arial"/>
-        <a:font script="Thai" typeface="Cordia New"/>
-        <a:font script="Ethi" typeface="Nyala"/>
-        <a:font script="Beng" typeface="Vrinda"/>
-        <a:font script="Gujr" typeface="Shruti"/>
-        <a:font script="Khmr" typeface="DaunPenh"/>
-        <a:font script="Knda" typeface="Tunga"/>
-        <a:font script="Guru" typeface="Raavi"/>
-        <a:font script="Cans" typeface="Euphemia"/>
-        <a:font script="Cher" typeface="Plantagenet Cherokee"/>
-        <a:font script="Yiii" typeface="Microsoft Yi Baiti"/>
-        <a:font script="Tibt" typeface="Microsoft Himalaya"/>
-        <a:font script="Thaa" typeface="MV Boli"/>
-        <a:font script="Deva" typeface="Mangal"/>
-        <a:font script="Telu" typeface="Gautami"/>
-        <a:font script="Taml" typeface="Latha"/>
-        <a:font script="Syrc" typeface="Estrangelo Edessa"/>
-        <a:font script="Orya" typeface="Kalinga"/>
-        <a:font script="Mlym" typeface="Kartika"/>
-        <a:font script="Laoo" typeface="DokChampa"/>
-        <a:font script="Sinh" typeface="Iskoola Pota"/>
-        <a:font script="Mong" typeface="Mongolian Baiti"/>
-        <a:font script="Viet" typeface="Arial"/>
-        <a:font script="Uigh" typeface="Microsoft Uighur"/>
-        <a:font script="Geor" typeface="Sylfaen"/>
       </a:minorFont>
     </a:fontScheme>
     <a:fmtScheme name="Office">
@@ -3304,6 +3553,673 @@
       </a:bgFillStyleLst>
     </a:fmtScheme>
   </a:themeElements>
+  <a:objectDefaults>
+    <a:spDef>
+      <a:spPr bwMode="auto">
+        <a:xfrm>
+          <a:off x="0" y="0"/>
+          <a:ext cx="1" cy="1"/>
+        </a:xfrm>
+        <a:custGeom>
+          <a:avLst/>
+          <a:gdLst/>
+          <a:ahLst/>
+          <a:cxnLst/>
+          <a:rect l="0" t="0" r="0" b="0"/>
+          <a:pathLst/>
+        </a:custGeom>
+        <a:gradFill rotWithShape="0">
+          <a:gsLst>
+            <a:gs pos="0">
+              <a:schemeClr val="accent1"/>
+            </a:gs>
+            <a:gs pos="100000">
+              <a:schemeClr val="accent2"/>
+            </a:gs>
+          </a:gsLst>
+          <a:lin ang="5400000" scaled="1"/>
+        </a:gradFill>
+        <a:ln w="9525" cap="flat" cmpd="sng" algn="ctr">
+          <a:solidFill>
+            <a:schemeClr val="accent1"/>
+          </a:solidFill>
+          <a:prstDash val="solid"/>
+          <a:round/>
+          <a:headEnd type="none" w="med" len="med"/>
+          <a:tailEnd type="none" w="med" len="med"/>
+        </a:ln>
+      </a:spPr>
+      <a:bodyPr vert="horz" wrap="none" lIns="91440" tIns="45720" rIns="91440" bIns="45720" numCol="1" anchor="ctr" anchorCtr="0" compatLnSpc="1"/>
+      <a:lstStyle>
+        <a:defPPr marL="0" marR="0" indent="0" algn="l" defTabSz="914400" rtl="0" eaLnBrk="1" fontAlgn="base" latinLnBrk="0" hangingPunct="1">
+          <a:lnSpc>
+            <a:spcPct val="100000"/>
+          </a:lnSpc>
+          <a:spcBef>
+            <a:spcPct val="0"/>
+          </a:spcBef>
+          <a:spcAft>
+            <a:spcPct val="0"/>
+          </a:spcAft>
+          <a:buClrTx/>
+          <a:buSzTx/>
+          <a:buFontTx/>
+          <a:buNone/>
+          <a:defRPr kumimoji="0" lang="zh-CN" altLang="en-US" sz="1800" b="0" i="0" u="none" strike="noStrike" cap="none" normalizeH="0" baseline="0" smtClean="0">
+            <a:ln>
+              <a:noFill/>
+            </a:ln>
+            <a:solidFill>
+              <a:schemeClr val="tx1"/>
+            </a:solidFill>
+            <a:effectLst/>
+            <a:latin typeface="Arial" panose="020B0604020202020204" pitchFamily="34" charset="0"/>
+            <a:ea typeface="SimSun" panose="02010600030101010101" pitchFamily="2" charset="-122"/>
+          </a:defRPr>
+        </a:defPPr>
+      </a:lstStyle>
+    </a:spDef>
+    <a:lnDef>
+      <a:spPr bwMode="auto">
+        <a:xfrm>
+          <a:off x="0" y="0"/>
+          <a:ext cx="1" cy="1"/>
+        </a:xfrm>
+        <a:custGeom>
+          <a:avLst/>
+          <a:gdLst/>
+          <a:ahLst/>
+          <a:cxnLst/>
+          <a:rect l="0" t="0" r="0" b="0"/>
+          <a:pathLst/>
+        </a:custGeom>
+        <a:gradFill rotWithShape="0">
+          <a:gsLst>
+            <a:gs pos="0">
+              <a:schemeClr val="accent1"/>
+            </a:gs>
+            <a:gs pos="100000">
+              <a:schemeClr val="accent2"/>
+            </a:gs>
+          </a:gsLst>
+          <a:lin ang="5400000" scaled="1"/>
+        </a:gradFill>
+        <a:ln w="9525" cap="flat" cmpd="sng" algn="ctr">
+          <a:solidFill>
+            <a:schemeClr val="accent1"/>
+          </a:solidFill>
+          <a:prstDash val="solid"/>
+          <a:round/>
+          <a:headEnd type="none" w="med" len="med"/>
+          <a:tailEnd type="none" w="med" len="med"/>
+        </a:ln>
+      </a:spPr>
+      <a:bodyPr vert="horz" wrap="none" lIns="91440" tIns="45720" rIns="91440" bIns="45720" numCol="1" anchor="ctr" anchorCtr="0" compatLnSpc="1"/>
+      <a:lstStyle>
+        <a:defPPr marL="0" marR="0" indent="0" algn="l" defTabSz="914400" rtl="0" eaLnBrk="1" fontAlgn="base" latinLnBrk="0" hangingPunct="1">
+          <a:lnSpc>
+            <a:spcPct val="100000"/>
+          </a:lnSpc>
+          <a:spcBef>
+            <a:spcPct val="0"/>
+          </a:spcBef>
+          <a:spcAft>
+            <a:spcPct val="0"/>
+          </a:spcAft>
+          <a:buClrTx/>
+          <a:buSzTx/>
+          <a:buFontTx/>
+          <a:buNone/>
+          <a:defRPr kumimoji="0" lang="zh-CN" altLang="en-US" sz="1800" b="0" i="0" u="none" strike="noStrike" cap="none" normalizeH="0" baseline="0" smtClean="0">
+            <a:ln>
+              <a:noFill/>
+            </a:ln>
+            <a:solidFill>
+              <a:schemeClr val="tx1"/>
+            </a:solidFill>
+            <a:effectLst/>
+            <a:latin typeface="Arial" panose="020B0604020202020204" pitchFamily="34" charset="0"/>
+            <a:ea typeface="SimSun" panose="02010600030101010101" pitchFamily="2" charset="-122"/>
+          </a:defRPr>
+        </a:defPPr>
+      </a:lstStyle>
+    </a:lnDef>
+  </a:objectDefaults>
+  <a:extraClrSchemeLst>
+    <a:extraClrScheme>
+      <a:clrScheme name="Gear Drives 1">
+        <a:dk1>
+          <a:srgbClr val="000000"/>
+        </a:dk1>
+        <a:lt1>
+          <a:srgbClr val="FFFFFF"/>
+        </a:lt1>
+        <a:dk2>
+          <a:srgbClr val="000000"/>
+        </a:dk2>
+        <a:lt2>
+          <a:srgbClr val="808080"/>
+        </a:lt2>
+        <a:accent1>
+          <a:srgbClr val="BBE0E3"/>
+        </a:accent1>
+        <a:accent2>
+          <a:srgbClr val="333399"/>
+        </a:accent2>
+        <a:accent3>
+          <a:srgbClr val="FFFFFF"/>
+        </a:accent3>
+        <a:accent4>
+          <a:srgbClr val="000000"/>
+        </a:accent4>
+        <a:accent5>
+          <a:srgbClr val="DAEDEF"/>
+        </a:accent5>
+        <a:accent6>
+          <a:srgbClr val="2D2D8A"/>
+        </a:accent6>
+        <a:hlink>
+          <a:srgbClr val="009999"/>
+        </a:hlink>
+        <a:folHlink>
+          <a:srgbClr val="99CC00"/>
+        </a:folHlink>
+      </a:clrScheme>
+      <a:clrMap bg1="lt1" tx1="dk1" bg2="lt2" tx2="dk2" accent1="accent1" accent2="accent2" accent3="accent3" accent4="accent4" accent5="accent5" accent6="accent6" hlink="hlink" folHlink="folHlink"/>
+    </a:extraClrScheme>
+    <a:extraClrScheme>
+      <a:clrScheme name="Gear Drives 2">
+        <a:dk1>
+          <a:srgbClr val="000000"/>
+        </a:dk1>
+        <a:lt1>
+          <a:srgbClr val="FFFFFF"/>
+        </a:lt1>
+        <a:dk2>
+          <a:srgbClr val="000000"/>
+        </a:dk2>
+        <a:lt2>
+          <a:srgbClr val="969696"/>
+        </a:lt2>
+        <a:accent1>
+          <a:srgbClr val="FBDF53"/>
+        </a:accent1>
+        <a:accent2>
+          <a:srgbClr val="FF9966"/>
+        </a:accent2>
+        <a:accent3>
+          <a:srgbClr val="FFFFFF"/>
+        </a:accent3>
+        <a:accent4>
+          <a:srgbClr val="000000"/>
+        </a:accent4>
+        <a:accent5>
+          <a:srgbClr val="FDECB3"/>
+        </a:accent5>
+        <a:accent6>
+          <a:srgbClr val="E78A5C"/>
+        </a:accent6>
+        <a:hlink>
+          <a:srgbClr val="CC3300"/>
+        </a:hlink>
+        <a:folHlink>
+          <a:srgbClr val="996600"/>
+        </a:folHlink>
+      </a:clrScheme>
+      <a:clrMap bg1="lt1" tx1="dk1" bg2="lt2" tx2="dk2" accent1="accent1" accent2="accent2" accent3="accent3" accent4="accent4" accent5="accent5" accent6="accent6" hlink="hlink" folHlink="folHlink"/>
+    </a:extraClrScheme>
+    <a:extraClrScheme>
+      <a:clrScheme name="Gear Drives 3">
+        <a:dk1>
+          <a:srgbClr val="000000"/>
+        </a:dk1>
+        <a:lt1>
+          <a:srgbClr val="FFFFFF"/>
+        </a:lt1>
+        <a:dk2>
+          <a:srgbClr val="000000"/>
+        </a:dk2>
+        <a:lt2>
+          <a:srgbClr val="808080"/>
+        </a:lt2>
+        <a:accent1>
+          <a:srgbClr val="99CCFF"/>
+        </a:accent1>
+        <a:accent2>
+          <a:srgbClr val="CCCCFF"/>
+        </a:accent2>
+        <a:accent3>
+          <a:srgbClr val="FFFFFF"/>
+        </a:accent3>
+        <a:accent4>
+          <a:srgbClr val="000000"/>
+        </a:accent4>
+        <a:accent5>
+          <a:srgbClr val="CAE2FF"/>
+        </a:accent5>
+        <a:accent6>
+          <a:srgbClr val="B9B9E7"/>
+        </a:accent6>
+        <a:hlink>
+          <a:srgbClr val="3333CC"/>
+        </a:hlink>
+        <a:folHlink>
+          <a:srgbClr val="AF67FF"/>
+        </a:folHlink>
+      </a:clrScheme>
+      <a:clrMap bg1="lt1" tx1="dk1" bg2="lt2" tx2="dk2" accent1="accent1" accent2="accent2" accent3="accent3" accent4="accent4" accent5="accent5" accent6="accent6" hlink="hlink" folHlink="folHlink"/>
+    </a:extraClrScheme>
+    <a:extraClrScheme>
+      <a:clrScheme name="Gear Drives 4">
+        <a:dk1>
+          <a:srgbClr val="000000"/>
+        </a:dk1>
+        <a:lt1>
+          <a:srgbClr val="DEF6F1"/>
+        </a:lt1>
+        <a:dk2>
+          <a:srgbClr val="000000"/>
+        </a:dk2>
+        <a:lt2>
+          <a:srgbClr val="969696"/>
+        </a:lt2>
+        <a:accent1>
+          <a:srgbClr val="FFFFFF"/>
+        </a:accent1>
+        <a:accent2>
+          <a:srgbClr val="8DC6FF"/>
+        </a:accent2>
+        <a:accent3>
+          <a:srgbClr val="ECFAF7"/>
+        </a:accent3>
+        <a:accent4>
+          <a:srgbClr val="000000"/>
+        </a:accent4>
+        <a:accent5>
+          <a:srgbClr val="FFFFFF"/>
+        </a:accent5>
+        <a:accent6>
+          <a:srgbClr val="7FB3E7"/>
+        </a:accent6>
+        <a:hlink>
+          <a:srgbClr val="0066CC"/>
+        </a:hlink>
+        <a:folHlink>
+          <a:srgbClr val="00A800"/>
+        </a:folHlink>
+      </a:clrScheme>
+      <a:clrMap bg1="lt1" tx1="dk1" bg2="lt2" tx2="dk2" accent1="accent1" accent2="accent2" accent3="accent3" accent4="accent4" accent5="accent5" accent6="accent6" hlink="hlink" folHlink="folHlink"/>
+    </a:extraClrScheme>
+    <a:extraClrScheme>
+      <a:clrScheme name="Gear Drives 5">
+        <a:dk1>
+          <a:srgbClr val="000000"/>
+        </a:dk1>
+        <a:lt1>
+          <a:srgbClr val="FFFFD9"/>
+        </a:lt1>
+        <a:dk2>
+          <a:srgbClr val="000000"/>
+        </a:dk2>
+        <a:lt2>
+          <a:srgbClr val="777777"/>
+        </a:lt2>
+        <a:accent1>
+          <a:srgbClr val="FFFFF7"/>
+        </a:accent1>
+        <a:accent2>
+          <a:srgbClr val="33CCCC"/>
+        </a:accent2>
+        <a:accent3>
+          <a:srgbClr val="FFFFE9"/>
+        </a:accent3>
+        <a:accent4>
+          <a:srgbClr val="000000"/>
+        </a:accent4>
+        <a:accent5>
+          <a:srgbClr val="FFFFFA"/>
+        </a:accent5>
+        <a:accent6>
+          <a:srgbClr val="2DB9B9"/>
+        </a:accent6>
+        <a:hlink>
+          <a:srgbClr val="FF5050"/>
+        </a:hlink>
+        <a:folHlink>
+          <a:srgbClr val="FF9900"/>
+        </a:folHlink>
+      </a:clrScheme>
+      <a:clrMap bg1="lt1" tx1="dk1" bg2="lt2" tx2="dk2" accent1="accent1" accent2="accent2" accent3="accent3" accent4="accent4" accent5="accent5" accent6="accent6" hlink="hlink" folHlink="folHlink"/>
+    </a:extraClrScheme>
+    <a:extraClrScheme>
+      <a:clrScheme name="Gear Drives 6">
+        <a:dk1>
+          <a:srgbClr val="005A58"/>
+        </a:dk1>
+        <a:lt1>
+          <a:srgbClr val="FFFFFF"/>
+        </a:lt1>
+        <a:dk2>
+          <a:srgbClr val="008080"/>
+        </a:dk2>
+        <a:lt2>
+          <a:srgbClr val="FFFF99"/>
+        </a:lt2>
+        <a:accent1>
+          <a:srgbClr val="006462"/>
+        </a:accent1>
+        <a:accent2>
+          <a:srgbClr val="6D6FC7"/>
+        </a:accent2>
+        <a:accent3>
+          <a:srgbClr val="AAC0C0"/>
+        </a:accent3>
+        <a:accent4>
+          <a:srgbClr val="DADADA"/>
+        </a:accent4>
+        <a:accent5>
+          <a:srgbClr val="AAB8B7"/>
+        </a:accent5>
+        <a:accent6>
+          <a:srgbClr val="6264B4"/>
+        </a:accent6>
+        <a:hlink>
+          <a:srgbClr val="00FFFF"/>
+        </a:hlink>
+        <a:folHlink>
+          <a:srgbClr val="00FF00"/>
+        </a:folHlink>
+      </a:clrScheme>
+      <a:clrMap bg1="dk2" tx1="lt1" bg2="dk1" tx2="lt2" accent1="accent1" accent2="accent2" accent3="accent3" accent4="accent4" accent5="accent5" accent6="accent6" hlink="hlink" folHlink="folHlink"/>
+    </a:extraClrScheme>
+    <a:extraClrScheme>
+      <a:clrScheme name="Gear Drives 7">
+        <a:dk1>
+          <a:srgbClr val="5C1F00"/>
+        </a:dk1>
+        <a:lt1>
+          <a:srgbClr val="FFFFFF"/>
+        </a:lt1>
+        <a:dk2>
+          <a:srgbClr val="800000"/>
+        </a:dk2>
+        <a:lt2>
+          <a:srgbClr val="DFD293"/>
+        </a:lt2>
+        <a:accent1>
+          <a:srgbClr val="CC3300"/>
+        </a:accent1>
+        <a:accent2>
+          <a:srgbClr val="BE7960"/>
+        </a:accent2>
+        <a:accent3>
+          <a:srgbClr val="C0AAAA"/>
+        </a:accent3>
+        <a:accent4>
+          <a:srgbClr val="DADADA"/>
+        </a:accent4>
+        <a:accent5>
+          <a:srgbClr val="E2ADAA"/>
+        </a:accent5>
+        <a:accent6>
+          <a:srgbClr val="AC6D56"/>
+        </a:accent6>
+        <a:hlink>
+          <a:srgbClr val="FFFF99"/>
+        </a:hlink>
+        <a:folHlink>
+          <a:srgbClr val="D3A219"/>
+        </a:folHlink>
+      </a:clrScheme>
+      <a:clrMap bg1="dk2" tx1="lt1" bg2="dk1" tx2="lt2" accent1="accent1" accent2="accent2" accent3="accent3" accent4="accent4" accent5="accent5" accent6="accent6" hlink="hlink" folHlink="folHlink"/>
+    </a:extraClrScheme>
+    <a:extraClrScheme>
+      <a:clrScheme name="Gear Drives 8">
+        <a:dk1>
+          <a:srgbClr val="003366"/>
+        </a:dk1>
+        <a:lt1>
+          <a:srgbClr val="FFFFFF"/>
+        </a:lt1>
+        <a:dk2>
+          <a:srgbClr val="000099"/>
+        </a:dk2>
+        <a:lt2>
+          <a:srgbClr val="CCFFFF"/>
+        </a:lt2>
+        <a:accent1>
+          <a:srgbClr val="3366CC"/>
+        </a:accent1>
+        <a:accent2>
+          <a:srgbClr val="00B000"/>
+        </a:accent2>
+        <a:accent3>
+          <a:srgbClr val="AAAACA"/>
+        </a:accent3>
+        <a:accent4>
+          <a:srgbClr val="DADADA"/>
+        </a:accent4>
+        <a:accent5>
+          <a:srgbClr val="ADB8E2"/>
+        </a:accent5>
+        <a:accent6>
+          <a:srgbClr val="009F00"/>
+        </a:accent6>
+        <a:hlink>
+          <a:srgbClr val="66CCFF"/>
+        </a:hlink>
+        <a:folHlink>
+          <a:srgbClr val="FFE701"/>
+        </a:folHlink>
+      </a:clrScheme>
+      <a:clrMap bg1="dk2" tx1="lt1" bg2="dk1" tx2="lt2" accent1="accent1" accent2="accent2" accent3="accent3" accent4="accent4" accent5="accent5" accent6="accent6" hlink="hlink" folHlink="folHlink"/>
+    </a:extraClrScheme>
+    <a:extraClrScheme>
+      <a:clrScheme name="Gear Drives 9">
+        <a:dk1>
+          <a:srgbClr val="336699"/>
+        </a:dk1>
+        <a:lt1>
+          <a:srgbClr val="FFFFFF"/>
+        </a:lt1>
+        <a:dk2>
+          <a:srgbClr val="000000"/>
+        </a:dk2>
+        <a:lt2>
+          <a:srgbClr val="E3EBF1"/>
+        </a:lt2>
+        <a:accent1>
+          <a:srgbClr val="003399"/>
+        </a:accent1>
+        <a:accent2>
+          <a:srgbClr val="468A4B"/>
+        </a:accent2>
+        <a:accent3>
+          <a:srgbClr val="AAAAAA"/>
+        </a:accent3>
+        <a:accent4>
+          <a:srgbClr val="DADADA"/>
+        </a:accent4>
+        <a:accent5>
+          <a:srgbClr val="AAADCA"/>
+        </a:accent5>
+        <a:accent6>
+          <a:srgbClr val="3F7D43"/>
+        </a:accent6>
+        <a:hlink>
+          <a:srgbClr val="66CCFF"/>
+        </a:hlink>
+        <a:folHlink>
+          <a:srgbClr val="F0E500"/>
+        </a:folHlink>
+      </a:clrScheme>
+      <a:clrMap bg1="dk2" tx1="lt1" bg2="dk1" tx2="lt2" accent1="accent1" accent2="accent2" accent3="accent3" accent4="accent4" accent5="accent5" accent6="accent6" hlink="hlink" folHlink="folHlink"/>
+    </a:extraClrScheme>
+    <a:extraClrScheme>
+      <a:clrScheme name="Gear Drives 10">
+        <a:dk1>
+          <a:srgbClr val="777777"/>
+        </a:dk1>
+        <a:lt1>
+          <a:srgbClr val="FFFFFF"/>
+        </a:lt1>
+        <a:dk2>
+          <a:srgbClr val="686B5D"/>
+        </a:dk2>
+        <a:lt2>
+          <a:srgbClr val="D1D1CB"/>
+        </a:lt2>
+        <a:accent1>
+          <a:srgbClr val="909082"/>
+        </a:accent1>
+        <a:accent2>
+          <a:srgbClr val="809EA8"/>
+        </a:accent2>
+        <a:accent3>
+          <a:srgbClr val="B9BAB6"/>
+        </a:accent3>
+        <a:accent4>
+          <a:srgbClr val="DADADA"/>
+        </a:accent4>
+        <a:accent5>
+          <a:srgbClr val="C6C6C1"/>
+        </a:accent5>
+        <a:accent6>
+          <a:srgbClr val="738F98"/>
+        </a:accent6>
+        <a:hlink>
+          <a:srgbClr val="FFCC66"/>
+        </a:hlink>
+        <a:folHlink>
+          <a:srgbClr val="E9DCB9"/>
+        </a:folHlink>
+      </a:clrScheme>
+      <a:clrMap bg1="dk2" tx1="lt1" bg2="dk1" tx2="lt2" accent1="accent1" accent2="accent2" accent3="accent3" accent4="accent4" accent5="accent5" accent6="accent6" hlink="hlink" folHlink="folHlink"/>
+    </a:extraClrScheme>
+    <a:extraClrScheme>
+      <a:clrScheme name="Gear Drives 11">
+        <a:dk1>
+          <a:srgbClr val="3E3E5C"/>
+        </a:dk1>
+        <a:lt1>
+          <a:srgbClr val="FFFFFF"/>
+        </a:lt1>
+        <a:dk2>
+          <a:srgbClr val="666699"/>
+        </a:dk2>
+        <a:lt2>
+          <a:srgbClr val="FFFFFF"/>
+        </a:lt2>
+        <a:accent1>
+          <a:srgbClr val="60597B"/>
+        </a:accent1>
+        <a:accent2>
+          <a:srgbClr val="6666FF"/>
+        </a:accent2>
+        <a:accent3>
+          <a:srgbClr val="B8B8CA"/>
+        </a:accent3>
+        <a:accent4>
+          <a:srgbClr val="DADADA"/>
+        </a:accent4>
+        <a:accent5>
+          <a:srgbClr val="B6B5BF"/>
+        </a:accent5>
+        <a:accent6>
+          <a:srgbClr val="5C5CE7"/>
+        </a:accent6>
+        <a:hlink>
+          <a:srgbClr val="99CCFF"/>
+        </a:hlink>
+        <a:folHlink>
+          <a:srgbClr val="FFFF99"/>
+        </a:folHlink>
+      </a:clrScheme>
+      <a:clrMap bg1="dk2" tx1="lt1" bg2="dk1" tx2="lt2" accent1="accent1" accent2="accent2" accent3="accent3" accent4="accent4" accent5="accent5" accent6="accent6" hlink="hlink" folHlink="folHlink"/>
+    </a:extraClrScheme>
+    <a:extraClrScheme>
+      <a:clrScheme name="Gear Drives 12">
+        <a:dk1>
+          <a:srgbClr val="2D2015"/>
+        </a:dk1>
+        <a:lt1>
+          <a:srgbClr val="FFFFFF"/>
+        </a:lt1>
+        <a:dk2>
+          <a:srgbClr val="523E26"/>
+        </a:dk2>
+        <a:lt2>
+          <a:srgbClr val="DFC08D"/>
+        </a:lt2>
+        <a:accent1>
+          <a:srgbClr val="8C7B70"/>
+        </a:accent1>
+        <a:accent2>
+          <a:srgbClr val="8F5F2F"/>
+        </a:accent2>
+        <a:accent3>
+          <a:srgbClr val="B3AFAC"/>
+        </a:accent3>
+        <a:accent4>
+          <a:srgbClr val="DADADA"/>
+        </a:accent4>
+        <a:accent5>
+          <a:srgbClr val="C5BFBB"/>
+        </a:accent5>
+        <a:accent6>
+          <a:srgbClr val="81552A"/>
+        </a:accent6>
+        <a:hlink>
+          <a:srgbClr val="CCB400"/>
+        </a:hlink>
+        <a:folHlink>
+          <a:srgbClr val="8C9EA0"/>
+        </a:folHlink>
+      </a:clrScheme>
+      <a:clrMap bg1="dk2" tx1="lt1" bg2="dk1" tx2="lt2" accent1="accent1" accent2="accent2" accent3="accent3" accent4="accent4" accent5="accent5" accent6="accent6" hlink="hlink" folHlink="folHlink"/>
+    </a:extraClrScheme>
+    <a:extraClrScheme>
+      <a:clrScheme name="Gear Drives 13">
+        <a:dk1>
+          <a:srgbClr val="000000"/>
+        </a:dk1>
+        <a:lt1>
+          <a:srgbClr val="FFFFFF"/>
+        </a:lt1>
+        <a:dk2>
+          <a:srgbClr val="000000"/>
+        </a:dk2>
+        <a:lt2>
+          <a:srgbClr val="969696"/>
+        </a:lt2>
+        <a:accent1>
+          <a:srgbClr val="5F5F5F"/>
+        </a:accent1>
+        <a:accent2>
+          <a:srgbClr val="969696"/>
+        </a:accent2>
+        <a:accent3>
+          <a:srgbClr val="FFFFFF"/>
+        </a:accent3>
+        <a:accent4>
+          <a:srgbClr val="000000"/>
+        </a:accent4>
+        <a:accent5>
+          <a:srgbClr val="B6B6B6"/>
+        </a:accent5>
+        <a:accent6>
+          <a:srgbClr val="878787"/>
+        </a:accent6>
+        <a:hlink>
+          <a:srgbClr val="CC3300"/>
+        </a:hlink>
+        <a:folHlink>
+          <a:srgbClr val="996600"/>
+        </a:folHlink>
+      </a:clrScheme>
+      <a:clrMap bg1="lt1" tx1="dk1" bg2="lt2" tx2="dk2" accent1="accent1" accent2="accent2" accent3="accent3" accent4="accent4" accent5="accent5" accent6="accent6" hlink="hlink" folHlink="folHlink"/>
+    </a:extraClrScheme>
+  </a:extraClrSchemeLst>
   <a:extLst>
     <a:ext uri="{05A4C25C-085E-4340-85A3-A5531E510DB2}">
       <thm15:themeFamily xmlns:thm15="http://schemas.microsoft.com/office/thememl/2012/main" name="Office Theme" id="{62F939B6-93AF-4DB8-9C6B-D6C7DFDC589F}" vid="{4A3C46E8-61CC-4603-A589-7422A47A8E4A}"/>
